--- a/Segurança da Informação/Aula 02 - Ameaças Ciberneticas/Ameaças Ciberneticas.pptx
+++ b/Segurança da Informação/Aula 02 - Ameaças Ciberneticas/Ameaças Ciberneticas.pptx
@@ -5,7 +5,7 @@
     <p:sldMasterId id="2147483677" r:id="rId1"/>
   </p:sldMasterIdLst>
   <p:notesMasterIdLst>
-    <p:notesMasterId r:id="rId14"/>
+    <p:notesMasterId r:id="rId15"/>
   </p:notesMasterIdLst>
   <p:sldIdLst>
     <p:sldId id="256" r:id="rId2"/>
@@ -19,7 +19,8 @@
     <p:sldId id="264" r:id="rId10"/>
     <p:sldId id="265" r:id="rId11"/>
     <p:sldId id="267" r:id="rId12"/>
-    <p:sldId id="268" r:id="rId13"/>
+    <p:sldId id="269" r:id="rId13"/>
+    <p:sldId id="268" r:id="rId14"/>
   </p:sldIdLst>
   <p:sldSz cx="12192000" cy="6858000"/>
   <p:notesSz cx="6858000" cy="9144000"/>
@@ -231,7 +232,7 @@
           <a:p>
             <a:fld id="{FCBB45FB-FC1C-4893-B550-48C1193193C6}" type="datetimeFigureOut">
               <a:rPr lang="pt-BR" smtClean="0"/>
-              <a:t>15/02/2025</a:t>
+              <a:t>19/02/2025</a:t>
             </a:fld>
             <a:endParaRPr lang="pt-BR"/>
           </a:p>
@@ -934,7 +935,7 @@
           <a:p>
             <a:fld id="{CDD55C27-F8C6-4481-8569-CAC50CAE9F1F}" type="datetimeFigureOut">
               <a:rPr lang="pt-BR" smtClean="0"/>
-              <a:t>15/02/2025</a:t>
+              <a:t>19/02/2025</a:t>
             </a:fld>
             <a:endParaRPr lang="pt-BR"/>
           </a:p>
@@ -1424,7 +1425,7 @@
           <a:p>
             <a:fld id="{CDD55C27-F8C6-4481-8569-CAC50CAE9F1F}" type="datetimeFigureOut">
               <a:rPr lang="pt-BR" smtClean="0"/>
-              <a:t>15/02/2025</a:t>
+              <a:t>19/02/2025</a:t>
             </a:fld>
             <a:endParaRPr lang="pt-BR"/>
           </a:p>
@@ -1727,7 +1728,7 @@
           <a:p>
             <a:fld id="{CDD55C27-F8C6-4481-8569-CAC50CAE9F1F}" type="datetimeFigureOut">
               <a:rPr lang="pt-BR" smtClean="0"/>
-              <a:t>15/02/2025</a:t>
+              <a:t>19/02/2025</a:t>
             </a:fld>
             <a:endParaRPr lang="pt-BR"/>
           </a:p>
@@ -2178,7 +2179,7 @@
           <a:p>
             <a:fld id="{CDD55C27-F8C6-4481-8569-CAC50CAE9F1F}" type="datetimeFigureOut">
               <a:rPr lang="pt-BR" smtClean="0"/>
-              <a:t>15/02/2025</a:t>
+              <a:t>19/02/2025</a:t>
             </a:fld>
             <a:endParaRPr lang="pt-BR"/>
           </a:p>
@@ -2351,7 +2352,7 @@
           <a:p>
             <a:fld id="{CDD55C27-F8C6-4481-8569-CAC50CAE9F1F}" type="datetimeFigureOut">
               <a:rPr lang="pt-BR" smtClean="0"/>
-              <a:t>15/02/2025</a:t>
+              <a:t>19/02/2025</a:t>
             </a:fld>
             <a:endParaRPr lang="pt-BR"/>
           </a:p>
@@ -2488,7 +2489,7 @@
           <a:p>
             <a:fld id="{CDD55C27-F8C6-4481-8569-CAC50CAE9F1F}" type="datetimeFigureOut">
               <a:rPr lang="pt-BR" smtClean="0"/>
-              <a:t>15/02/2025</a:t>
+              <a:t>19/02/2025</a:t>
             </a:fld>
             <a:endParaRPr lang="pt-BR"/>
           </a:p>
@@ -2832,7 +2833,7 @@
           <a:p>
             <a:fld id="{CDD55C27-F8C6-4481-8569-CAC50CAE9F1F}" type="datetimeFigureOut">
               <a:rPr lang="pt-BR" smtClean="0"/>
-              <a:t>15/02/2025</a:t>
+              <a:t>19/02/2025</a:t>
             </a:fld>
             <a:endParaRPr lang="pt-BR"/>
           </a:p>
@@ -3153,7 +3154,7 @@
           <a:p>
             <a:fld id="{CDD55C27-F8C6-4481-8569-CAC50CAE9F1F}" type="datetimeFigureOut">
               <a:rPr lang="pt-BR" smtClean="0"/>
-              <a:t>15/02/2025</a:t>
+              <a:t>19/02/2025</a:t>
             </a:fld>
             <a:endParaRPr lang="pt-BR"/>
           </a:p>
@@ -3846,7 +3847,7 @@
         </p:blipFill>
         <p:spPr>
           <a:xfrm>
-            <a:off x="1287955" y="4562802"/>
+            <a:off x="846792" y="4562802"/>
             <a:ext cx="1080000" cy="1080000"/>
           </a:xfrm>
           <a:prstGeom prst="rect">
@@ -3882,7 +3883,7 @@
         </p:blipFill>
         <p:spPr>
           <a:xfrm>
-            <a:off x="2586616" y="3364129"/>
+            <a:off x="2145453" y="3364129"/>
             <a:ext cx="2463339" cy="2463339"/>
           </a:xfrm>
           <a:prstGeom prst="rect">
@@ -3918,7 +3919,7 @@
         </p:blipFill>
         <p:spPr>
           <a:xfrm>
-            <a:off x="8273964" y="4378136"/>
+            <a:off x="8622185" y="4390443"/>
             <a:ext cx="1080000" cy="1080000"/>
           </a:xfrm>
           <a:prstGeom prst="rect">
@@ -3954,7 +3955,7 @@
         </p:blipFill>
         <p:spPr>
           <a:xfrm>
-            <a:off x="3491737" y="2555502"/>
+            <a:off x="3050574" y="2555502"/>
             <a:ext cx="653097" cy="653097"/>
           </a:xfrm>
           <a:prstGeom prst="rect">
@@ -3990,7 +3991,7 @@
         </p:blipFill>
         <p:spPr>
           <a:xfrm>
-            <a:off x="8273964" y="2945922"/>
+            <a:off x="8622185" y="2958229"/>
             <a:ext cx="1080000" cy="1080000"/>
           </a:xfrm>
           <a:prstGeom prst="rect">
@@ -4012,7 +4013,7 @@
         </p:nvSpPr>
         <p:spPr>
           <a:xfrm>
-            <a:off x="8273964" y="5458136"/>
+            <a:off x="8622185" y="5470443"/>
             <a:ext cx="1158649" cy="369332"/>
           </a:xfrm>
           <a:prstGeom prst="rect">
@@ -4058,8 +4059,8 @@
         </p:nvCxnSpPr>
         <p:spPr>
           <a:xfrm flipH="1">
-            <a:off x="5049955" y="3485922"/>
-            <a:ext cx="3224009" cy="1109877"/>
+            <a:off x="4608792" y="3498229"/>
+            <a:ext cx="4013393" cy="1097570"/>
           </a:xfrm>
           <a:prstGeom prst="straightConnector1">
             <a:avLst/>
@@ -4117,7 +4118,7 @@
         </p:blipFill>
         <p:spPr>
           <a:xfrm>
-            <a:off x="9559036" y="2986990"/>
+            <a:off x="9907257" y="2999297"/>
             <a:ext cx="503817" cy="540000"/>
           </a:xfrm>
           <a:prstGeom prst="rect">
@@ -4153,7 +4154,7 @@
         </p:blipFill>
         <p:spPr>
           <a:xfrm>
-            <a:off x="10062853" y="3485922"/>
+            <a:off x="10411074" y="3498229"/>
             <a:ext cx="503817" cy="540000"/>
           </a:xfrm>
           <a:prstGeom prst="rect">
@@ -4175,7 +4176,7 @@
         </p:nvGrpSpPr>
         <p:grpSpPr>
           <a:xfrm>
-            <a:off x="3263330" y="5898159"/>
+            <a:off x="2822167" y="5898159"/>
             <a:ext cx="1109911" cy="546203"/>
             <a:chOff x="2855826" y="5815186"/>
             <a:chExt cx="1109911" cy="546203"/>
@@ -4282,7 +4283,7 @@
         </p:blipFill>
         <p:spPr>
           <a:xfrm>
-            <a:off x="3279199" y="3755922"/>
+            <a:off x="2838036" y="3755922"/>
             <a:ext cx="1078172" cy="1078172"/>
           </a:xfrm>
           <a:prstGeom prst="rect">
@@ -4304,7 +4305,7 @@
         </p:nvGrpSpPr>
         <p:grpSpPr>
           <a:xfrm>
-            <a:off x="4888166" y="1842993"/>
+            <a:off x="5407654" y="1851630"/>
             <a:ext cx="2415668" cy="720000"/>
             <a:chOff x="5248166" y="1913486"/>
             <a:chExt cx="2415668" cy="720000"/>
@@ -5796,7 +5797,7 @@
           <p:cNvPr id="2" name="Título 1">
             <a:extLst>
               <a:ext uri="{FF2B5EF4-FFF2-40B4-BE49-F238E27FC236}">
-                <a16:creationId xmlns:a16="http://schemas.microsoft.com/office/drawing/2014/main" id="{20F07B82-1834-41A3-ABA1-E45AF435174A}"/>
+                <a16:creationId xmlns:a16="http://schemas.microsoft.com/office/drawing/2014/main" id="{4B1185B0-9117-4B9D-A48C-189CEA7C3CC6}"/>
               </a:ext>
             </a:extLst>
           </p:cNvPr>
@@ -5814,8 +5815,250 @@
           <a:p>
             <a:r>
               <a:rPr lang="pt-BR" dirty="0"/>
-              <a:t>Casos reais</a:t>
-            </a:r>
+              <a:t>Recomendações</a:t>
+            </a:r>
+          </a:p>
+        </p:txBody>
+      </p:sp>
+      <p:sp>
+        <p:nvSpPr>
+          <p:cNvPr id="3" name="Espaço Reservado para Conteúdo 2">
+            <a:extLst>
+              <a:ext uri="{FF2B5EF4-FFF2-40B4-BE49-F238E27FC236}">
+                <a16:creationId xmlns:a16="http://schemas.microsoft.com/office/drawing/2014/main" id="{87069B98-3E77-494D-85C9-E84E4109817A}"/>
+              </a:ext>
+            </a:extLst>
+          </p:cNvPr>
+          <p:cNvSpPr>
+            <a:spLocks noGrp="1"/>
+          </p:cNvSpPr>
+          <p:nvPr>
+            <p:ph idx="1"/>
+          </p:nvPr>
+        </p:nvSpPr>
+        <p:spPr>
+          <a:xfrm>
+            <a:off x="592347" y="1844675"/>
+            <a:ext cx="5426713" cy="4351338"/>
+          </a:xfrm>
+        </p:spPr>
+        <p:txBody>
+          <a:bodyPr/>
+          <a:lstStyle/>
+          <a:p>
+            <a:pPr marL="342900" indent="-342900">
+              <a:buFont typeface="Arial" panose="020B0604020202020204" pitchFamily="34" charset="0"/>
+              <a:buChar char="•"/>
+            </a:pPr>
+            <a:endParaRPr lang="pt-BR" b="1" dirty="0">
+              <a:solidFill>
+                <a:srgbClr val="292A86"/>
+              </a:solidFill>
+            </a:endParaRPr>
+          </a:p>
+          <a:p>
+            <a:pPr marL="342900" indent="-342900">
+              <a:buFont typeface="Arial" panose="020B0604020202020204" pitchFamily="34" charset="0"/>
+              <a:buChar char="•"/>
+            </a:pPr>
+            <a:r>
+              <a:rPr lang="pt-BR" b="1" dirty="0">
+                <a:solidFill>
+                  <a:srgbClr val="292A86"/>
+                </a:solidFill>
+              </a:rPr>
+              <a:t>NÃO</a:t>
+            </a:r>
+            <a:r>
+              <a:rPr lang="pt-BR" b="1" dirty="0"/>
+              <a:t> </a:t>
+            </a:r>
+            <a:r>
+              <a:rPr lang="pt-BR" dirty="0"/>
+              <a:t>baixe arquivos </a:t>
+            </a:r>
+            <a:r>
+              <a:rPr lang="pt-BR" b="1" dirty="0">
+                <a:solidFill>
+                  <a:schemeClr val="accent2">
+                    <a:lumMod val="75000"/>
+                  </a:schemeClr>
+                </a:solidFill>
+              </a:rPr>
+              <a:t>Suspeitos</a:t>
+            </a:r>
+          </a:p>
+          <a:p>
+            <a:pPr marL="342900" indent="-342900">
+              <a:buFont typeface="Arial" panose="020B0604020202020204" pitchFamily="34" charset="0"/>
+              <a:buChar char="•"/>
+            </a:pPr>
+            <a:endParaRPr lang="pt-BR" b="1" dirty="0"/>
+          </a:p>
+          <a:p>
+            <a:pPr marL="342900" indent="-342900">
+              <a:buFont typeface="Arial" panose="020B0604020202020204" pitchFamily="34" charset="0"/>
+              <a:buChar char="•"/>
+            </a:pPr>
+            <a:r>
+              <a:rPr lang="pt-BR" b="1" dirty="0">
+                <a:solidFill>
+                  <a:srgbClr val="292A86"/>
+                </a:solidFill>
+              </a:rPr>
+              <a:t>NÃO</a:t>
+            </a:r>
+            <a:r>
+              <a:rPr lang="pt-BR" b="1" dirty="0"/>
+              <a:t> </a:t>
+            </a:r>
+            <a:r>
+              <a:rPr lang="pt-BR" dirty="0"/>
+              <a:t>execute arquivos </a:t>
+            </a:r>
+            <a:r>
+              <a:rPr lang="pt-BR" b="1" dirty="0">
+                <a:solidFill>
+                  <a:schemeClr val="accent2">
+                    <a:lumMod val="75000"/>
+                  </a:schemeClr>
+                </a:solidFill>
+              </a:rPr>
+              <a:t>Suspeitos</a:t>
+            </a:r>
+          </a:p>
+          <a:p>
+            <a:pPr marL="342900" indent="-342900">
+              <a:buFont typeface="Arial" panose="020B0604020202020204" pitchFamily="34" charset="0"/>
+              <a:buChar char="•"/>
+            </a:pPr>
+            <a:endParaRPr lang="pt-BR" b="1" dirty="0"/>
+          </a:p>
+          <a:p>
+            <a:pPr marL="342900" indent="-342900">
+              <a:buFont typeface="Arial" panose="020B0604020202020204" pitchFamily="34" charset="0"/>
+              <a:buChar char="•"/>
+            </a:pPr>
+            <a:r>
+              <a:rPr lang="pt-BR" dirty="0"/>
+              <a:t>Utilize um </a:t>
+            </a:r>
+            <a:r>
+              <a:rPr lang="pt-BR" b="1" dirty="0">
+                <a:solidFill>
+                  <a:schemeClr val="accent2">
+                    <a:lumMod val="75000"/>
+                  </a:schemeClr>
+                </a:solidFill>
+              </a:rPr>
+              <a:t>Antivírus</a:t>
+            </a:r>
+          </a:p>
+        </p:txBody>
+      </p:sp>
+      <p:pic>
+        <p:nvPicPr>
+          <p:cNvPr id="5" name="Gráfico 4" descr="Aviso">
+            <a:extLst>
+              <a:ext uri="{FF2B5EF4-FFF2-40B4-BE49-F238E27FC236}">
+                <a16:creationId xmlns:a16="http://schemas.microsoft.com/office/drawing/2014/main" id="{990DE4D9-2C36-47B8-883D-2D933B020101}"/>
+              </a:ext>
+            </a:extLst>
+          </p:cNvPr>
+          <p:cNvPicPr>
+            <a:picLocks noChangeAspect="1"/>
+          </p:cNvPicPr>
+          <p:nvPr/>
+        </p:nvPicPr>
+        <p:blipFill>
+          <a:blip r:embed="rId2">
+            <a:extLst>
+              <a:ext uri="{28A0092B-C50C-407E-A947-70E740481C1C}">
+                <a14:useLocalDpi xmlns:a14="http://schemas.microsoft.com/office/drawing/2010/main" val="0"/>
+              </a:ext>
+              <a:ext uri="{96DAC541-7B7A-43D3-8B79-37D633B846F1}">
+                <asvg:svgBlip xmlns:asvg="http://schemas.microsoft.com/office/drawing/2016/SVG/main" r:embed="rId3"/>
+              </a:ext>
+            </a:extLst>
+          </a:blip>
+          <a:stretch>
+            <a:fillRect/>
+          </a:stretch>
+        </p:blipFill>
+        <p:spPr>
+          <a:xfrm>
+            <a:off x="7946994" y="2636167"/>
+            <a:ext cx="2768353" cy="2768353"/>
+          </a:xfrm>
+          <a:prstGeom prst="rect">
+            <a:avLst/>
+          </a:prstGeom>
+        </p:spPr>
+      </p:pic>
+    </p:spTree>
+    <p:extLst>
+      <p:ext uri="{BB962C8B-B14F-4D97-AF65-F5344CB8AC3E}">
+        <p14:creationId xmlns:p14="http://schemas.microsoft.com/office/powerpoint/2010/main" val="3542361684"/>
+      </p:ext>
+    </p:extLst>
+  </p:cSld>
+  <p:clrMapOvr>
+    <a:masterClrMapping/>
+  </p:clrMapOvr>
+</p:sld>
+</file>
+
+<file path=ppt/slides/slide13.xml><?xml version="1.0" encoding="utf-8"?>
+<p:sld xmlns:a="http://schemas.openxmlformats.org/drawingml/2006/main" xmlns:r="http://schemas.openxmlformats.org/officeDocument/2006/relationships" xmlns:p="http://schemas.openxmlformats.org/presentationml/2006/main">
+  <p:cSld>
+    <p:spTree>
+      <p:nvGrpSpPr>
+        <p:cNvPr id="1" name=""/>
+        <p:cNvGrpSpPr/>
+        <p:nvPr/>
+      </p:nvGrpSpPr>
+      <p:grpSpPr>
+        <a:xfrm>
+          <a:off x="0" y="0"/>
+          <a:ext cx="0" cy="0"/>
+          <a:chOff x="0" y="0"/>
+          <a:chExt cx="0" cy="0"/>
+        </a:xfrm>
+      </p:grpSpPr>
+      <p:sp>
+        <p:nvSpPr>
+          <p:cNvPr id="2" name="Título 1">
+            <a:extLst>
+              <a:ext uri="{FF2B5EF4-FFF2-40B4-BE49-F238E27FC236}">
+                <a16:creationId xmlns:a16="http://schemas.microsoft.com/office/drawing/2014/main" id="{20F07B82-1834-41A3-ABA1-E45AF435174A}"/>
+              </a:ext>
+            </a:extLst>
+          </p:cNvPr>
+          <p:cNvSpPr>
+            <a:spLocks noGrp="1"/>
+          </p:cNvSpPr>
+          <p:nvPr>
+            <p:ph type="title"/>
+          </p:nvPr>
+        </p:nvSpPr>
+        <p:spPr/>
+        <p:txBody>
+          <a:bodyPr/>
+          <a:lstStyle/>
+          <a:p>
+            <a:r>
+              <a:rPr lang="pt-BR" dirty="0"/>
+              <a:t>Ataque </a:t>
+            </a:r>
+            <a:r>
+              <a:rPr lang="pt-BR" dirty="0" err="1"/>
+              <a:t>WannaCry</a:t>
+            </a:r>
+            <a:r>
+              <a:rPr lang="pt-BR"/>
+              <a:t> (2017)</a:t>
+            </a:r>
+            <a:endParaRPr lang="pt-BR" dirty="0"/>
           </a:p>
         </p:txBody>
       </p:sp>
@@ -5840,7 +6083,7 @@
           <a:bodyPr/>
           <a:lstStyle/>
           <a:p>
-            <a:endParaRPr lang="pt-BR"/>
+            <a:endParaRPr lang="pt-BR" dirty="0"/>
           </a:p>
         </p:txBody>
       </p:sp>

--- a/Segurança da Informação/Aula 02 - Ameaças Ciberneticas/Ameaças Ciberneticas.pptx
+++ b/Segurança da Informação/Aula 02 - Ameaças Ciberneticas/Ameaças Ciberneticas.pptx
@@ -5,7 +5,7 @@
     <p:sldMasterId id="2147483677" r:id="rId1"/>
   </p:sldMasterIdLst>
   <p:notesMasterIdLst>
-    <p:notesMasterId r:id="rId14"/>
+    <p:notesMasterId r:id="rId18"/>
   </p:notesMasterIdLst>
   <p:sldIdLst>
     <p:sldId id="256" r:id="rId2"/>
@@ -19,7 +19,11 @@
     <p:sldId id="264" r:id="rId10"/>
     <p:sldId id="265" r:id="rId11"/>
     <p:sldId id="267" r:id="rId12"/>
-    <p:sldId id="268" r:id="rId13"/>
+    <p:sldId id="269" r:id="rId13"/>
+    <p:sldId id="268" r:id="rId14"/>
+    <p:sldId id="270" r:id="rId15"/>
+    <p:sldId id="271" r:id="rId16"/>
+    <p:sldId id="272" r:id="rId17"/>
   </p:sldIdLst>
   <p:sldSz cx="12192000" cy="6858000"/>
   <p:notesSz cx="6858000" cy="9144000"/>
@@ -231,7 +235,7 @@
           <a:p>
             <a:fld id="{FCBB45FB-FC1C-4893-B550-48C1193193C6}" type="datetimeFigureOut">
               <a:rPr lang="pt-BR" smtClean="0"/>
-              <a:t>15/02/2025</a:t>
+              <a:t>20/02/2025</a:t>
             </a:fld>
             <a:endParaRPr lang="pt-BR"/>
           </a:p>
@@ -934,7 +938,7 @@
           <a:p>
             <a:fld id="{CDD55C27-F8C6-4481-8569-CAC50CAE9F1F}" type="datetimeFigureOut">
               <a:rPr lang="pt-BR" smtClean="0"/>
-              <a:t>15/02/2025</a:t>
+              <a:t>20/02/2025</a:t>
             </a:fld>
             <a:endParaRPr lang="pt-BR"/>
           </a:p>
@@ -1424,7 +1428,7 @@
           <a:p>
             <a:fld id="{CDD55C27-F8C6-4481-8569-CAC50CAE9F1F}" type="datetimeFigureOut">
               <a:rPr lang="pt-BR" smtClean="0"/>
-              <a:t>15/02/2025</a:t>
+              <a:t>20/02/2025</a:t>
             </a:fld>
             <a:endParaRPr lang="pt-BR"/>
           </a:p>
@@ -1727,7 +1731,7 @@
           <a:p>
             <a:fld id="{CDD55C27-F8C6-4481-8569-CAC50CAE9F1F}" type="datetimeFigureOut">
               <a:rPr lang="pt-BR" smtClean="0"/>
-              <a:t>15/02/2025</a:t>
+              <a:t>20/02/2025</a:t>
             </a:fld>
             <a:endParaRPr lang="pt-BR"/>
           </a:p>
@@ -2178,7 +2182,7 @@
           <a:p>
             <a:fld id="{CDD55C27-F8C6-4481-8569-CAC50CAE9F1F}" type="datetimeFigureOut">
               <a:rPr lang="pt-BR" smtClean="0"/>
-              <a:t>15/02/2025</a:t>
+              <a:t>20/02/2025</a:t>
             </a:fld>
             <a:endParaRPr lang="pt-BR"/>
           </a:p>
@@ -2351,7 +2355,7 @@
           <a:p>
             <a:fld id="{CDD55C27-F8C6-4481-8569-CAC50CAE9F1F}" type="datetimeFigureOut">
               <a:rPr lang="pt-BR" smtClean="0"/>
-              <a:t>15/02/2025</a:t>
+              <a:t>20/02/2025</a:t>
             </a:fld>
             <a:endParaRPr lang="pt-BR"/>
           </a:p>
@@ -2488,7 +2492,7 @@
           <a:p>
             <a:fld id="{CDD55C27-F8C6-4481-8569-CAC50CAE9F1F}" type="datetimeFigureOut">
               <a:rPr lang="pt-BR" smtClean="0"/>
-              <a:t>15/02/2025</a:t>
+              <a:t>20/02/2025</a:t>
             </a:fld>
             <a:endParaRPr lang="pt-BR"/>
           </a:p>
@@ -2832,7 +2836,7 @@
           <a:p>
             <a:fld id="{CDD55C27-F8C6-4481-8569-CAC50CAE9F1F}" type="datetimeFigureOut">
               <a:rPr lang="pt-BR" smtClean="0"/>
-              <a:t>15/02/2025</a:t>
+              <a:t>20/02/2025</a:t>
             </a:fld>
             <a:endParaRPr lang="pt-BR"/>
           </a:p>
@@ -3153,7 +3157,7 @@
           <a:p>
             <a:fld id="{CDD55C27-F8C6-4481-8569-CAC50CAE9F1F}" type="datetimeFigureOut">
               <a:rPr lang="pt-BR" smtClean="0"/>
-              <a:t>15/02/2025</a:t>
+              <a:t>20/02/2025</a:t>
             </a:fld>
             <a:endParaRPr lang="pt-BR"/>
           </a:p>
@@ -5814,8 +5818,13 @@
           <a:p>
             <a:r>
               <a:rPr lang="pt-BR" dirty="0"/>
-              <a:t>Casos reais</a:t>
-            </a:r>
+              <a:t>Casos reais – </a:t>
+            </a:r>
+            <a:r>
+              <a:rPr lang="pt-BR" dirty="0" err="1"/>
+              <a:t>ILoveYou</a:t>
+            </a:r>
+            <a:endParaRPr lang="pt-BR" dirty="0"/>
           </a:p>
         </p:txBody>
       </p:sp>
@@ -5840,7 +5849,235 @@
           <a:bodyPr/>
           <a:lstStyle/>
           <a:p>
-            <a:endParaRPr lang="pt-BR"/>
+            <a:r>
+              <a:rPr lang="pt-BR" b="1" dirty="0"/>
+              <a:t>Malwares utilizados</a:t>
+            </a:r>
+          </a:p>
+          <a:p>
+            <a:pPr lvl="1" indent="0">
+              <a:buNone/>
+            </a:pPr>
+            <a:r>
+              <a:rPr lang="pt-BR" dirty="0"/>
+              <a:t>O ataque foi realizado utilizando um </a:t>
+            </a:r>
+            <a:r>
+              <a:rPr lang="pt-BR" dirty="0" err="1"/>
+              <a:t>worm</a:t>
+            </a:r>
+            <a:r>
+              <a:rPr lang="pt-BR" dirty="0"/>
+              <a:t> escrito em Visual Basic Script (VBS).</a:t>
+            </a:r>
+          </a:p>
+          <a:p>
+            <a:r>
+              <a:rPr lang="pt-BR" b="1" dirty="0"/>
+              <a:t>Meio de propagação e funcionamento do ataque</a:t>
+            </a:r>
+          </a:p>
+          <a:p>
+            <a:pPr lvl="1" indent="0">
+              <a:buNone/>
+            </a:pPr>
+            <a:r>
+              <a:rPr lang="pt-BR" dirty="0"/>
+              <a:t>Propagação: O vírus se espalhava via e-mail, com o assunto "ILOVEYOU" e um anexo chamado "LOVE-LETTER-FOR-YOU.txt.vbs".</a:t>
+            </a:r>
+          </a:p>
+          <a:p>
+            <a:pPr lvl="1" indent="0">
+              <a:buNone/>
+            </a:pPr>
+            <a:r>
+              <a:rPr lang="pt-BR" b="1" dirty="0"/>
+              <a:t>Funcionamento:</a:t>
+            </a:r>
+          </a:p>
+          <a:p>
+            <a:pPr lvl="2" indent="0">
+              <a:buNone/>
+            </a:pPr>
+            <a:r>
+              <a:rPr lang="pt-BR" dirty="0"/>
+              <a:t>O usuário abria o anexo, acreditando ser uma carta de amor.</a:t>
+            </a:r>
+          </a:p>
+          <a:p>
+            <a:pPr lvl="2" indent="0">
+              <a:buNone/>
+            </a:pPr>
+            <a:r>
+              <a:rPr lang="pt-BR" dirty="0"/>
+              <a:t>O script sobrescrevia arquivos no computador, incluindo documentos do Office, imagens e áudios.</a:t>
+            </a:r>
+          </a:p>
+          <a:p>
+            <a:pPr lvl="2" indent="0">
+              <a:buNone/>
+            </a:pPr>
+            <a:r>
+              <a:rPr lang="pt-BR" dirty="0"/>
+              <a:t>O </a:t>
+            </a:r>
+            <a:r>
+              <a:rPr lang="pt-BR" dirty="0" err="1"/>
+              <a:t>worm</a:t>
+            </a:r>
+            <a:r>
+              <a:rPr lang="pt-BR" dirty="0"/>
+              <a:t> enviava automaticamente cópias de si mesmo para todos os contatos do Outlook do usuário, ampliando a disseminação global.</a:t>
+            </a:r>
+          </a:p>
+          <a:p>
+            <a:pPr marL="0" lvl="2" indent="0">
+              <a:buNone/>
+            </a:pPr>
+            <a:endParaRPr lang="pt-BR" sz="2000" dirty="0"/>
+          </a:p>
+        </p:txBody>
+      </p:sp>
+    </p:spTree>
+    <p:extLst>
+      <p:ext uri="{BB962C8B-B14F-4D97-AF65-F5344CB8AC3E}">
+        <p14:creationId xmlns:p14="http://schemas.microsoft.com/office/powerpoint/2010/main" val="3723228311"/>
+      </p:ext>
+    </p:extLst>
+  </p:cSld>
+  <p:clrMapOvr>
+    <a:masterClrMapping/>
+  </p:clrMapOvr>
+</p:sld>
+</file>
+
+<file path=ppt/slides/slide13.xml><?xml version="1.0" encoding="utf-8"?>
+<p:sld xmlns:a="http://schemas.openxmlformats.org/drawingml/2006/main" xmlns:r="http://schemas.openxmlformats.org/officeDocument/2006/relationships" xmlns:p="http://schemas.openxmlformats.org/presentationml/2006/main">
+  <p:cSld>
+    <p:spTree>
+      <p:nvGrpSpPr>
+        <p:cNvPr id="1" name=""/>
+        <p:cNvGrpSpPr/>
+        <p:nvPr/>
+      </p:nvGrpSpPr>
+      <p:grpSpPr>
+        <a:xfrm>
+          <a:off x="0" y="0"/>
+          <a:ext cx="0" cy="0"/>
+          <a:chOff x="0" y="0"/>
+          <a:chExt cx="0" cy="0"/>
+        </a:xfrm>
+      </p:grpSpPr>
+      <p:sp>
+        <p:nvSpPr>
+          <p:cNvPr id="2" name="Título 1">
+            <a:extLst>
+              <a:ext uri="{FF2B5EF4-FFF2-40B4-BE49-F238E27FC236}">
+                <a16:creationId xmlns:a16="http://schemas.microsoft.com/office/drawing/2014/main" id="{20F07B82-1834-41A3-ABA1-E45AF435174A}"/>
+              </a:ext>
+            </a:extLst>
+          </p:cNvPr>
+          <p:cNvSpPr>
+            <a:spLocks noGrp="1"/>
+          </p:cNvSpPr>
+          <p:nvPr>
+            <p:ph type="title"/>
+          </p:nvPr>
+        </p:nvSpPr>
+        <p:spPr/>
+        <p:txBody>
+          <a:bodyPr/>
+          <a:lstStyle/>
+          <a:p>
+            <a:r>
+              <a:rPr lang="pt-BR" dirty="0"/>
+              <a:t>Casos reais – </a:t>
+            </a:r>
+            <a:r>
+              <a:rPr lang="pt-BR" dirty="0" err="1"/>
+              <a:t>ILoveYou</a:t>
+            </a:r>
+            <a:endParaRPr lang="pt-BR" dirty="0"/>
+          </a:p>
+        </p:txBody>
+      </p:sp>
+      <p:sp>
+        <p:nvSpPr>
+          <p:cNvPr id="3" name="Espaço Reservado para Conteúdo 2">
+            <a:extLst>
+              <a:ext uri="{FF2B5EF4-FFF2-40B4-BE49-F238E27FC236}">
+                <a16:creationId xmlns:a16="http://schemas.microsoft.com/office/drawing/2014/main" id="{C0E443DE-AB2D-4846-9E7B-2081F1E6BFBA}"/>
+              </a:ext>
+            </a:extLst>
+          </p:cNvPr>
+          <p:cNvSpPr>
+            <a:spLocks noGrp="1"/>
+          </p:cNvSpPr>
+          <p:nvPr>
+            <p:ph idx="1"/>
+          </p:nvPr>
+        </p:nvSpPr>
+        <p:spPr/>
+        <p:txBody>
+          <a:bodyPr/>
+          <a:lstStyle/>
+          <a:p>
+            <a:r>
+              <a:rPr lang="pt-BR" b="1" dirty="0"/>
+              <a:t>O que foi feito para parar esse ataque?</a:t>
+            </a:r>
+          </a:p>
+          <a:p>
+            <a:pPr lvl="1" indent="0">
+              <a:buNone/>
+            </a:pPr>
+            <a:r>
+              <a:rPr lang="pt-BR" b="1" dirty="0"/>
+              <a:t>Suspensão de e-mails corporativos</a:t>
+            </a:r>
+            <a:r>
+              <a:rPr lang="pt-BR" dirty="0"/>
+              <a:t>: Grandes organizações, como o Pentágono, a CIA e o Parlamento Britânico, suspenderam temporariamente seus serviços de e-mail para evitar a propagação.</a:t>
+            </a:r>
+          </a:p>
+          <a:p>
+            <a:pPr lvl="1" indent="0">
+              <a:buNone/>
+            </a:pPr>
+            <a:r>
+              <a:rPr lang="pt-BR" b="1" dirty="0"/>
+              <a:t>Desenvolvimento de patches e atualizações: </a:t>
+            </a:r>
+            <a:r>
+              <a:rPr lang="pt-BR" dirty="0"/>
+              <a:t>Empresas de segurança começaram a desenvolver patches e atualizações para bloquear o malware.</a:t>
+            </a:r>
+          </a:p>
+          <a:p>
+            <a:pPr lvl="1" indent="0">
+              <a:buNone/>
+            </a:pPr>
+            <a:r>
+              <a:rPr lang="pt-BR" b="1" dirty="0"/>
+              <a:t>Campanhas de conscientização</a:t>
+            </a:r>
+            <a:r>
+              <a:rPr lang="pt-BR" dirty="0"/>
+              <a:t>: Usuários foram orientados a não abrir anexos desconhecidos.</a:t>
+            </a:r>
+          </a:p>
+          <a:p>
+            <a:pPr lvl="1" indent="0">
+              <a:buNone/>
+            </a:pPr>
+            <a:r>
+              <a:rPr lang="pt-BR" b="1" dirty="0"/>
+              <a:t>Bloqueio de anexos maliciosos:</a:t>
+            </a:r>
+            <a:r>
+              <a:rPr lang="pt-BR" dirty="0"/>
+              <a:t> Provedores de e-mail e administradores de TI passaram a filtrar mensagens contendo scripts potencialmente perigosos.</a:t>
+            </a:r>
           </a:p>
         </p:txBody>
       </p:sp>
@@ -5848,6 +6085,540 @@
     <p:extLst>
       <p:ext uri="{BB962C8B-B14F-4D97-AF65-F5344CB8AC3E}">
         <p14:creationId xmlns:p14="http://schemas.microsoft.com/office/powerpoint/2010/main" val="3607171253"/>
+      </p:ext>
+    </p:extLst>
+  </p:cSld>
+  <p:clrMapOvr>
+    <a:masterClrMapping/>
+  </p:clrMapOvr>
+</p:sld>
+</file>
+
+<file path=ppt/slides/slide14.xml><?xml version="1.0" encoding="utf-8"?>
+<p:sld xmlns:a="http://schemas.openxmlformats.org/drawingml/2006/main" xmlns:r="http://schemas.openxmlformats.org/officeDocument/2006/relationships" xmlns:p="http://schemas.openxmlformats.org/presentationml/2006/main">
+  <p:cSld>
+    <p:spTree>
+      <p:nvGrpSpPr>
+        <p:cNvPr id="1" name=""/>
+        <p:cNvGrpSpPr/>
+        <p:nvPr/>
+      </p:nvGrpSpPr>
+      <p:grpSpPr>
+        <a:xfrm>
+          <a:off x="0" y="0"/>
+          <a:ext cx="0" cy="0"/>
+          <a:chOff x="0" y="0"/>
+          <a:chExt cx="0" cy="0"/>
+        </a:xfrm>
+      </p:grpSpPr>
+      <p:sp>
+        <p:nvSpPr>
+          <p:cNvPr id="2" name="Título 1">
+            <a:extLst>
+              <a:ext uri="{FF2B5EF4-FFF2-40B4-BE49-F238E27FC236}">
+                <a16:creationId xmlns:a16="http://schemas.microsoft.com/office/drawing/2014/main" id="{20F07B82-1834-41A3-ABA1-E45AF435174A}"/>
+              </a:ext>
+            </a:extLst>
+          </p:cNvPr>
+          <p:cNvSpPr>
+            <a:spLocks noGrp="1"/>
+          </p:cNvSpPr>
+          <p:nvPr>
+            <p:ph type="title"/>
+          </p:nvPr>
+        </p:nvSpPr>
+        <p:spPr/>
+        <p:txBody>
+          <a:bodyPr/>
+          <a:lstStyle/>
+          <a:p>
+            <a:r>
+              <a:rPr lang="pt-BR" dirty="0"/>
+              <a:t>Casos reais – </a:t>
+            </a:r>
+            <a:r>
+              <a:rPr lang="pt-BR" dirty="0" err="1"/>
+              <a:t>ILoveYou</a:t>
+            </a:r>
+            <a:endParaRPr lang="pt-BR" dirty="0"/>
+          </a:p>
+        </p:txBody>
+      </p:sp>
+      <p:sp>
+        <p:nvSpPr>
+          <p:cNvPr id="3" name="Espaço Reservado para Conteúdo 2">
+            <a:extLst>
+              <a:ext uri="{FF2B5EF4-FFF2-40B4-BE49-F238E27FC236}">
+                <a16:creationId xmlns:a16="http://schemas.microsoft.com/office/drawing/2014/main" id="{C0E443DE-AB2D-4846-9E7B-2081F1E6BFBA}"/>
+              </a:ext>
+            </a:extLst>
+          </p:cNvPr>
+          <p:cNvSpPr>
+            <a:spLocks noGrp="1"/>
+          </p:cNvSpPr>
+          <p:nvPr>
+            <p:ph idx="1"/>
+          </p:nvPr>
+        </p:nvSpPr>
+        <p:spPr/>
+        <p:txBody>
+          <a:bodyPr/>
+          <a:lstStyle/>
+          <a:p>
+            <a:r>
+              <a:rPr lang="pt-BR" b="1" dirty="0"/>
+              <a:t>Número de dispositivos infectados e prejuízo total</a:t>
+            </a:r>
+          </a:p>
+          <a:p>
+            <a:pPr lvl="1" indent="0">
+              <a:buNone/>
+            </a:pPr>
+            <a:r>
+              <a:rPr lang="pt-BR" dirty="0"/>
+              <a:t>Na época do ataque, estima-se que existiam cerca de 500 milhões de computadores conectados à internet. Isso significa que aproximadamente 10% de todos os dispositivos conectados foram afetados pelo malware.</a:t>
+            </a:r>
+          </a:p>
+          <a:p>
+            <a:pPr lvl="1" indent="0">
+              <a:buNone/>
+            </a:pPr>
+            <a:r>
+              <a:rPr lang="pt-BR" b="1" dirty="0"/>
+              <a:t>Resumo dos impactos:</a:t>
+            </a:r>
+          </a:p>
+          <a:p>
+            <a:pPr lvl="2" indent="0">
+              <a:buNone/>
+            </a:pPr>
+            <a:r>
+              <a:rPr lang="pt-BR" dirty="0"/>
+              <a:t>Computadores infectados: Mais de 50 milhões</a:t>
+            </a:r>
+          </a:p>
+          <a:p>
+            <a:pPr lvl="2" indent="0">
+              <a:buNone/>
+            </a:pPr>
+            <a:r>
+              <a:rPr lang="pt-BR" dirty="0"/>
+              <a:t>Porcentagem de dispositivos afetados no mundo: ~10%</a:t>
+            </a:r>
+          </a:p>
+          <a:p>
+            <a:pPr lvl="1" indent="0">
+              <a:buNone/>
+            </a:pPr>
+            <a:r>
+              <a:rPr lang="pt-BR" b="1" dirty="0"/>
+              <a:t>Prejuízo total:</a:t>
+            </a:r>
+          </a:p>
+          <a:p>
+            <a:pPr lvl="2" indent="0">
+              <a:buNone/>
+            </a:pPr>
+            <a:r>
+              <a:rPr lang="pt-BR" dirty="0"/>
+              <a:t>Danos diretos: Entre US$ 5,5 e 8,7 bilhões</a:t>
+            </a:r>
+          </a:p>
+          <a:p>
+            <a:pPr lvl="2" indent="0">
+              <a:buNone/>
+            </a:pPr>
+            <a:r>
+              <a:rPr lang="pt-BR" dirty="0"/>
+              <a:t>Custos para remoção e recuperação: Cerca de US$ 15 bilhões</a:t>
+            </a:r>
+            <a:endParaRPr lang="pt-BR" sz="1800" dirty="0"/>
+          </a:p>
+        </p:txBody>
+      </p:sp>
+    </p:spTree>
+    <p:extLst>
+      <p:ext uri="{BB962C8B-B14F-4D97-AF65-F5344CB8AC3E}">
+        <p14:creationId xmlns:p14="http://schemas.microsoft.com/office/powerpoint/2010/main" val="4242315244"/>
+      </p:ext>
+    </p:extLst>
+  </p:cSld>
+  <p:clrMapOvr>
+    <a:masterClrMapping/>
+  </p:clrMapOvr>
+</p:sld>
+</file>
+
+<file path=ppt/slides/slide15.xml><?xml version="1.0" encoding="utf-8"?>
+<p:sld xmlns:a="http://schemas.openxmlformats.org/drawingml/2006/main" xmlns:r="http://schemas.openxmlformats.org/officeDocument/2006/relationships" xmlns:p="http://schemas.openxmlformats.org/presentationml/2006/main">
+  <p:cSld>
+    <p:spTree>
+      <p:nvGrpSpPr>
+        <p:cNvPr id="1" name=""/>
+        <p:cNvGrpSpPr/>
+        <p:nvPr/>
+      </p:nvGrpSpPr>
+      <p:grpSpPr>
+        <a:xfrm>
+          <a:off x="0" y="0"/>
+          <a:ext cx="0" cy="0"/>
+          <a:chOff x="0" y="0"/>
+          <a:chExt cx="0" cy="0"/>
+        </a:xfrm>
+      </p:grpSpPr>
+      <p:sp>
+        <p:nvSpPr>
+          <p:cNvPr id="2" name="Título 1">
+            <a:extLst>
+              <a:ext uri="{FF2B5EF4-FFF2-40B4-BE49-F238E27FC236}">
+                <a16:creationId xmlns:a16="http://schemas.microsoft.com/office/drawing/2014/main" id="{8244C96E-DC8A-4903-8059-FE7D8949D18C}"/>
+              </a:ext>
+            </a:extLst>
+          </p:cNvPr>
+          <p:cNvSpPr>
+            <a:spLocks noGrp="1"/>
+          </p:cNvSpPr>
+          <p:nvPr>
+            <p:ph type="title"/>
+          </p:nvPr>
+        </p:nvSpPr>
+        <p:spPr/>
+        <p:txBody>
+          <a:bodyPr/>
+          <a:lstStyle/>
+          <a:p>
+            <a:r>
+              <a:rPr lang="pt-BR" dirty="0"/>
+              <a:t>Casos reais – </a:t>
+            </a:r>
+            <a:r>
+              <a:rPr lang="pt-BR" dirty="0" err="1"/>
+              <a:t>ILoveYou</a:t>
+            </a:r>
+            <a:endParaRPr lang="pt-BR" dirty="0"/>
+          </a:p>
+        </p:txBody>
+      </p:sp>
+      <p:sp>
+        <p:nvSpPr>
+          <p:cNvPr id="3" name="Espaço Reservado para Conteúdo 2">
+            <a:extLst>
+              <a:ext uri="{FF2B5EF4-FFF2-40B4-BE49-F238E27FC236}">
+                <a16:creationId xmlns:a16="http://schemas.microsoft.com/office/drawing/2014/main" id="{FE975AE1-176A-4311-BED3-DF3FADA0242C}"/>
+              </a:ext>
+            </a:extLst>
+          </p:cNvPr>
+          <p:cNvSpPr>
+            <a:spLocks noGrp="1"/>
+          </p:cNvSpPr>
+          <p:nvPr>
+            <p:ph idx="1"/>
+          </p:nvPr>
+        </p:nvSpPr>
+        <p:spPr/>
+        <p:txBody>
+          <a:bodyPr/>
+          <a:lstStyle/>
+          <a:p>
+            <a:pPr>
+              <a:spcBef>
+                <a:spcPts val="0"/>
+              </a:spcBef>
+            </a:pPr>
+            <a:r>
+              <a:rPr lang="pt-BR" b="1" dirty="0"/>
+              <a:t>Responsáveis pelo o ataque</a:t>
+            </a:r>
+          </a:p>
+          <a:p>
+            <a:pPr lvl="1" indent="0">
+              <a:spcBef>
+                <a:spcPts val="0"/>
+              </a:spcBef>
+              <a:buNone/>
+            </a:pPr>
+            <a:r>
+              <a:rPr lang="pt-BR" dirty="0"/>
+              <a:t>O vírus </a:t>
+            </a:r>
+            <a:r>
+              <a:rPr lang="pt-BR" b="1" dirty="0"/>
+              <a:t>ILOVEYOU</a:t>
+            </a:r>
+            <a:r>
+              <a:rPr lang="pt-BR" dirty="0"/>
+              <a:t> foi criado por </a:t>
+            </a:r>
+            <a:r>
+              <a:rPr lang="pt-BR" b="1" dirty="0" err="1"/>
+              <a:t>Onel</a:t>
+            </a:r>
+            <a:r>
+              <a:rPr lang="pt-BR" b="1" dirty="0"/>
+              <a:t> de Guzmán</a:t>
+            </a:r>
+            <a:r>
+              <a:rPr lang="pt-BR" dirty="0"/>
+              <a:t>, um estudante filipino de ciência da computação. Na época, ele era membro de um grupo de hackers chamado </a:t>
+            </a:r>
+            <a:r>
+              <a:rPr lang="pt-BR" b="1" dirty="0" err="1"/>
+              <a:t>GRAMMERSoft</a:t>
+            </a:r>
+            <a:r>
+              <a:rPr lang="pt-BR" dirty="0"/>
+              <a:t>, que desenvolvia programas maliciosos.</a:t>
+            </a:r>
+          </a:p>
+          <a:p>
+            <a:pPr lvl="1" indent="0">
+              <a:spcBef>
+                <a:spcPts val="0"/>
+              </a:spcBef>
+              <a:buNone/>
+            </a:pPr>
+            <a:r>
+              <a:rPr lang="pt-BR" b="1" dirty="0"/>
+              <a:t>Motivação por trás do vírus</a:t>
+            </a:r>
+          </a:p>
+          <a:p>
+            <a:pPr lvl="2" indent="0">
+              <a:spcBef>
+                <a:spcPts val="0"/>
+              </a:spcBef>
+              <a:buNone/>
+            </a:pPr>
+            <a:r>
+              <a:rPr lang="pt-BR" dirty="0"/>
+              <a:t>Inicialmente, </a:t>
+            </a:r>
+            <a:r>
+              <a:rPr lang="pt-BR" dirty="0" err="1"/>
+              <a:t>Onel</a:t>
+            </a:r>
+            <a:r>
+              <a:rPr lang="pt-BR" dirty="0"/>
+              <a:t> de Guzmán afirmou que seu objetivo era roubar credenciais de internet para permitir o acesso gratuito à web, já que o serviço era caro nas Filipinas. No entanto, o vírus acabou se espalhando de forma descontrolada, causando um dos maiores </a:t>
+            </a:r>
+            <a:r>
+              <a:rPr lang="pt-BR" dirty="0" err="1"/>
+              <a:t>ciberataques</a:t>
+            </a:r>
+            <a:r>
+              <a:rPr lang="pt-BR" dirty="0"/>
+              <a:t> da história.</a:t>
+            </a:r>
+          </a:p>
+          <a:p>
+            <a:pPr lvl="1" indent="0">
+              <a:spcBef>
+                <a:spcPts val="0"/>
+              </a:spcBef>
+              <a:buNone/>
+            </a:pPr>
+            <a:r>
+              <a:rPr lang="pt-BR" b="1" dirty="0"/>
+              <a:t>Consequências legais</a:t>
+            </a:r>
+          </a:p>
+          <a:p>
+            <a:pPr lvl="2" indent="0">
+              <a:spcBef>
+                <a:spcPts val="0"/>
+              </a:spcBef>
+              <a:buNone/>
+            </a:pPr>
+            <a:r>
+              <a:rPr lang="pt-BR" dirty="0"/>
+              <a:t>Apesar da enorme repercussão do ataque, </a:t>
+            </a:r>
+            <a:r>
+              <a:rPr lang="pt-BR" dirty="0" err="1"/>
+              <a:t>Onel</a:t>
+            </a:r>
+            <a:r>
+              <a:rPr lang="pt-BR" dirty="0"/>
+              <a:t> de Guzmán não foi punido criminalmente. Na época, as Filipinas não possuíam leis específicas contra crimes cibernéticos, o que impediu qualquer ação legal contra ele. No entanto, o incidente levou o país a criar novas regulamentações para crimes digitais.</a:t>
+            </a:r>
+          </a:p>
+        </p:txBody>
+      </p:sp>
+    </p:spTree>
+    <p:extLst>
+      <p:ext uri="{BB962C8B-B14F-4D97-AF65-F5344CB8AC3E}">
+        <p14:creationId xmlns:p14="http://schemas.microsoft.com/office/powerpoint/2010/main" val="3641694098"/>
+      </p:ext>
+    </p:extLst>
+  </p:cSld>
+  <p:clrMapOvr>
+    <a:masterClrMapping/>
+  </p:clrMapOvr>
+</p:sld>
+</file>
+
+<file path=ppt/slides/slide16.xml><?xml version="1.0" encoding="utf-8"?>
+<p:sld xmlns:a="http://schemas.openxmlformats.org/drawingml/2006/main" xmlns:r="http://schemas.openxmlformats.org/officeDocument/2006/relationships" xmlns:p="http://schemas.openxmlformats.org/presentationml/2006/main">
+  <p:cSld>
+    <p:spTree>
+      <p:nvGrpSpPr>
+        <p:cNvPr id="1" name=""/>
+        <p:cNvGrpSpPr/>
+        <p:nvPr/>
+      </p:nvGrpSpPr>
+      <p:grpSpPr>
+        <a:xfrm>
+          <a:off x="0" y="0"/>
+          <a:ext cx="0" cy="0"/>
+          <a:chOff x="0" y="0"/>
+          <a:chExt cx="0" cy="0"/>
+        </a:xfrm>
+      </p:grpSpPr>
+      <p:sp>
+        <p:nvSpPr>
+          <p:cNvPr id="2" name="Título 1">
+            <a:extLst>
+              <a:ext uri="{FF2B5EF4-FFF2-40B4-BE49-F238E27FC236}">
+                <a16:creationId xmlns:a16="http://schemas.microsoft.com/office/drawing/2014/main" id="{8244C96E-DC8A-4903-8059-FE7D8949D18C}"/>
+              </a:ext>
+            </a:extLst>
+          </p:cNvPr>
+          <p:cNvSpPr>
+            <a:spLocks noGrp="1"/>
+          </p:cNvSpPr>
+          <p:nvPr>
+            <p:ph type="title"/>
+          </p:nvPr>
+        </p:nvSpPr>
+        <p:spPr/>
+        <p:txBody>
+          <a:bodyPr/>
+          <a:lstStyle/>
+          <a:p>
+            <a:r>
+              <a:rPr lang="pt-BR" dirty="0"/>
+              <a:t>Casos reais – </a:t>
+            </a:r>
+            <a:r>
+              <a:rPr lang="pt-BR" dirty="0" err="1"/>
+              <a:t>ILoveYou</a:t>
+            </a:r>
+            <a:endParaRPr lang="pt-BR" dirty="0"/>
+          </a:p>
+        </p:txBody>
+      </p:sp>
+      <p:sp>
+        <p:nvSpPr>
+          <p:cNvPr id="3" name="Espaço Reservado para Conteúdo 2">
+            <a:extLst>
+              <a:ext uri="{FF2B5EF4-FFF2-40B4-BE49-F238E27FC236}">
+                <a16:creationId xmlns:a16="http://schemas.microsoft.com/office/drawing/2014/main" id="{FE975AE1-176A-4311-BED3-DF3FADA0242C}"/>
+              </a:ext>
+            </a:extLst>
+          </p:cNvPr>
+          <p:cNvSpPr>
+            <a:spLocks noGrp="1"/>
+          </p:cNvSpPr>
+          <p:nvPr>
+            <p:ph idx="1"/>
+          </p:nvPr>
+        </p:nvSpPr>
+        <p:spPr>
+          <a:xfrm>
+            <a:off x="592347" y="1844675"/>
+            <a:ext cx="11007306" cy="3536950"/>
+          </a:xfrm>
+        </p:spPr>
+        <p:txBody>
+          <a:bodyPr/>
+          <a:lstStyle/>
+          <a:p>
+            <a:pPr marL="0" lvl="1" indent="0">
+              <a:spcBef>
+                <a:spcPts val="0"/>
+              </a:spcBef>
+              <a:buNone/>
+            </a:pPr>
+            <a:r>
+              <a:rPr lang="pt-BR" sz="2000" b="1" dirty="0"/>
+              <a:t>O que aconteceu com ele depois?</a:t>
+            </a:r>
+          </a:p>
+          <a:p>
+            <a:pPr lvl="1" indent="0">
+              <a:spcBef>
+                <a:spcPts val="0"/>
+              </a:spcBef>
+              <a:buNone/>
+            </a:pPr>
+            <a:r>
+              <a:rPr lang="pt-BR" dirty="0"/>
+              <a:t>Após o ataque, </a:t>
+            </a:r>
+            <a:r>
+              <a:rPr lang="pt-BR" dirty="0" err="1"/>
+              <a:t>Onel</a:t>
+            </a:r>
+            <a:r>
+              <a:rPr lang="pt-BR" dirty="0"/>
+              <a:t> de Guzmán desapareceu por anos, evitando a mídia e qualquer exposição pública. Em 2020, ele foi encontrado pelo jornalista </a:t>
+            </a:r>
+            <a:r>
+              <a:rPr lang="pt-BR" dirty="0" err="1"/>
+              <a:t>Geoff</a:t>
+            </a:r>
+            <a:r>
+              <a:rPr lang="pt-BR" dirty="0"/>
+              <a:t> White e revelou que, de fato, foi o responsável pelo vírus. Atualmente, vive uma vida simples nas Filipinas, trabalhando com conserto de celulares e recusando entrevistas sobre seu passado hacker.</a:t>
+            </a:r>
+          </a:p>
+          <a:p>
+            <a:pPr marL="0" lvl="1" indent="0">
+              <a:spcBef>
+                <a:spcPts val="0"/>
+              </a:spcBef>
+              <a:buNone/>
+            </a:pPr>
+            <a:endParaRPr lang="pt-BR" sz="2000" dirty="0"/>
+          </a:p>
+          <a:p>
+            <a:pPr marL="0" lvl="1" indent="0">
+              <a:spcBef>
+                <a:spcPts val="0"/>
+              </a:spcBef>
+              <a:buNone/>
+            </a:pPr>
+            <a:r>
+              <a:rPr lang="pt-BR" sz="2000" b="1" dirty="0"/>
+              <a:t>Vídeo explicando o ataque </a:t>
+            </a:r>
+            <a:r>
+              <a:rPr lang="pt-BR" sz="2000" b="1" dirty="0" err="1"/>
+              <a:t>ILoveYou</a:t>
+            </a:r>
+            <a:r>
+              <a:rPr lang="pt-BR" sz="2000" b="1" dirty="0"/>
+              <a:t>:</a:t>
+            </a:r>
+          </a:p>
+          <a:p>
+            <a:pPr marL="687600" lvl="2" indent="0">
+              <a:spcBef>
+                <a:spcPts val="0"/>
+              </a:spcBef>
+              <a:buNone/>
+            </a:pPr>
+            <a:r>
+              <a:rPr lang="pt-BR" sz="1600" dirty="0"/>
+              <a:t>https://www.youtube.com/watch?v=fRk5e0iSa1Q</a:t>
+            </a:r>
+          </a:p>
+        </p:txBody>
+      </p:sp>
+    </p:spTree>
+    <p:extLst>
+      <p:ext uri="{BB962C8B-B14F-4D97-AF65-F5344CB8AC3E}">
+        <p14:creationId xmlns:p14="http://schemas.microsoft.com/office/powerpoint/2010/main" val="1189411122"/>
       </p:ext>
     </p:extLst>
   </p:cSld>

--- a/Segurança da Informação/Aula 02 - Ameaças Ciberneticas/Ameaças Ciberneticas.pptx
+++ b/Segurança da Informação/Aula 02 - Ameaças Ciberneticas/Ameaças Ciberneticas.pptx
@@ -5,7 +5,7 @@
     <p:sldMasterId id="2147483677" r:id="rId1"/>
   </p:sldMasterIdLst>
   <p:notesMasterIdLst>
-    <p:notesMasterId r:id="rId18"/>
+    <p:notesMasterId r:id="rId29"/>
   </p:notesMasterIdLst>
   <p:sldIdLst>
     <p:sldId id="256" r:id="rId2"/>
@@ -19,11 +19,22 @@
     <p:sldId id="264" r:id="rId10"/>
     <p:sldId id="265" r:id="rId11"/>
     <p:sldId id="267" r:id="rId12"/>
-    <p:sldId id="269" r:id="rId13"/>
-    <p:sldId id="268" r:id="rId14"/>
-    <p:sldId id="270" r:id="rId15"/>
-    <p:sldId id="271" r:id="rId16"/>
-    <p:sldId id="272" r:id="rId17"/>
+    <p:sldId id="278" r:id="rId13"/>
+    <p:sldId id="269" r:id="rId14"/>
+    <p:sldId id="268" r:id="rId15"/>
+    <p:sldId id="270" r:id="rId16"/>
+    <p:sldId id="271" r:id="rId17"/>
+    <p:sldId id="272" r:id="rId18"/>
+    <p:sldId id="279" r:id="rId19"/>
+    <p:sldId id="274" r:id="rId20"/>
+    <p:sldId id="275" r:id="rId21"/>
+    <p:sldId id="276" r:id="rId22"/>
+    <p:sldId id="277" r:id="rId23"/>
+    <p:sldId id="280" r:id="rId24"/>
+    <p:sldId id="281" r:id="rId25"/>
+    <p:sldId id="282" r:id="rId26"/>
+    <p:sldId id="283" r:id="rId27"/>
+    <p:sldId id="284" r:id="rId28"/>
   </p:sldIdLst>
   <p:sldSz cx="12192000" cy="6858000"/>
   <p:notesSz cx="6858000" cy="9144000"/>
@@ -3718,13 +3729,8 @@
           <a:p>
             <a:r>
               <a:rPr lang="pt-BR" dirty="0"/>
-              <a:t>Ameaças </a:t>
-            </a:r>
-            <a:r>
-              <a:rPr lang="pt-BR" dirty="0" err="1"/>
-              <a:t>Ciberneticas</a:t>
-            </a:r>
-            <a:endParaRPr lang="pt-BR" dirty="0"/>
+              <a:t>Ameaças Cibernéticas</a:t>
+            </a:r>
           </a:p>
         </p:txBody>
       </p:sp>
@@ -5844,104 +5850,71 @@
             <p:ph idx="1"/>
           </p:nvPr>
         </p:nvSpPr>
-        <p:spPr/>
+        <p:spPr>
+          <a:xfrm>
+            <a:off x="716115" y="2357080"/>
+            <a:ext cx="6187144" cy="3410082"/>
+          </a:xfrm>
+        </p:spPr>
         <p:txBody>
           <a:bodyPr/>
           <a:lstStyle/>
           <a:p>
-            <a:r>
-              <a:rPr lang="pt-BR" b="1" dirty="0"/>
-              <a:t>Malwares utilizados</a:t>
-            </a:r>
-          </a:p>
-          <a:p>
-            <a:pPr lvl="1" indent="0">
-              <a:buNone/>
+            <a:pPr>
+              <a:spcBef>
+                <a:spcPts val="0"/>
+              </a:spcBef>
             </a:pPr>
             <a:r>
-              <a:rPr lang="pt-BR" dirty="0"/>
-              <a:t>O ataque foi realizado utilizando um </a:t>
-            </a:r>
-            <a:r>
-              <a:rPr lang="pt-BR" dirty="0" err="1"/>
-              <a:t>worm</a:t>
-            </a:r>
-            <a:r>
-              <a:rPr lang="pt-BR" dirty="0"/>
-              <a:t> escrito em Visual Basic Script (VBS).</a:t>
-            </a:r>
-          </a:p>
-          <a:p>
-            <a:r>
-              <a:rPr lang="pt-BR" b="1" dirty="0"/>
-              <a:t>Meio de propagação e funcionamento do ataque</a:t>
-            </a:r>
-          </a:p>
-          <a:p>
-            <a:pPr lvl="1" indent="0">
-              <a:buNone/>
-            </a:pPr>
-            <a:r>
-              <a:rPr lang="pt-BR" dirty="0"/>
-              <a:t>Propagação: O vírus se espalhava via e-mail, com o assunto "ILOVEYOU" e um anexo chamado "LOVE-LETTER-FOR-YOU.txt.vbs".</a:t>
-            </a:r>
-          </a:p>
-          <a:p>
-            <a:pPr lvl="1" indent="0">
-              <a:buNone/>
-            </a:pPr>
-            <a:r>
-              <a:rPr lang="pt-BR" b="1" dirty="0"/>
-              <a:t>Funcionamento:</a:t>
-            </a:r>
-          </a:p>
-          <a:p>
-            <a:pPr lvl="2" indent="0">
-              <a:buNone/>
-            </a:pPr>
-            <a:r>
-              <a:rPr lang="pt-BR" dirty="0"/>
-              <a:t>O usuário abria o anexo, acreditando ser uma carta de amor.</a:t>
-            </a:r>
-          </a:p>
-          <a:p>
-            <a:pPr lvl="2" indent="0">
-              <a:buNone/>
-            </a:pPr>
-            <a:r>
-              <a:rPr lang="pt-BR" dirty="0"/>
-              <a:t>O script sobrescrevia arquivos no computador, incluindo documentos do Office, imagens e áudios.</a:t>
-            </a:r>
-          </a:p>
-          <a:p>
-            <a:pPr lvl="2" indent="0">
-              <a:buNone/>
-            </a:pPr>
-            <a:r>
-              <a:rPr lang="pt-BR" dirty="0"/>
-              <a:t>O </a:t>
-            </a:r>
-            <a:r>
-              <a:rPr lang="pt-BR" dirty="0" err="1"/>
-              <a:t>worm</a:t>
-            </a:r>
-            <a:r>
-              <a:rPr lang="pt-BR" dirty="0"/>
-              <a:t> enviava automaticamente cópias de si mesmo para todos os contatos do Outlook do usuário, ampliando a disseminação global.</a:t>
-            </a:r>
-          </a:p>
-          <a:p>
-            <a:pPr marL="0" lvl="2" indent="0">
-              <a:buNone/>
-            </a:pPr>
-            <a:endParaRPr lang="pt-BR" sz="2000" dirty="0"/>
+              <a:rPr lang="pt-BR" sz="1600" dirty="0"/>
+              <a:t>Em maio de 2000, o mundo presenciou um dos ataques cibernéticos mais devastadores da história: o vírus </a:t>
+            </a:r>
+            <a:r>
+              <a:rPr lang="pt-BR" sz="1600" dirty="0" err="1"/>
+              <a:t>ILoveYou</a:t>
+            </a:r>
+            <a:r>
+              <a:rPr lang="pt-BR" sz="1600" dirty="0"/>
+              <a:t>. Disfarçado como uma inocente declaração de amor enviada por e-mail, o malware explorava a curiosidade dos usuários para se espalhar rapidamente. Ao ser aberto, ele infectava o sistema, comprometia arquivos e se propagava automaticamente, atingindo milhões de computadores em poucos dias. Esse ataque evidenciou o poder da engenharia social e mostrou como uma simples mensagem podia causar impactos globais em empresas, governos e usuários comuns.</a:t>
+            </a:r>
+            <a:endParaRPr lang="pt-BR" sz="1800" dirty="0"/>
           </a:p>
         </p:txBody>
       </p:sp>
+      <p:pic>
+        <p:nvPicPr>
+          <p:cNvPr id="4" name="Imagem 3">
+            <a:extLst>
+              <a:ext uri="{FF2B5EF4-FFF2-40B4-BE49-F238E27FC236}">
+                <a16:creationId xmlns:a16="http://schemas.microsoft.com/office/drawing/2014/main" id="{A78651A2-503B-4619-97E3-97E0DF7BDA8A}"/>
+              </a:ext>
+            </a:extLst>
+          </p:cNvPr>
+          <p:cNvPicPr>
+            <a:picLocks noChangeAspect="1"/>
+          </p:cNvPicPr>
+          <p:nvPr/>
+        </p:nvPicPr>
+        <p:blipFill>
+          <a:blip r:embed="rId2"/>
+          <a:stretch>
+            <a:fillRect/>
+          </a:stretch>
+        </p:blipFill>
+        <p:spPr>
+          <a:xfrm>
+            <a:off x="7619374" y="2357080"/>
+            <a:ext cx="3856512" cy="3410082"/>
+          </a:xfrm>
+          <a:prstGeom prst="rect">
+            <a:avLst/>
+          </a:prstGeom>
+        </p:spPr>
+      </p:pic>
     </p:spTree>
     <p:extLst>
       <p:ext uri="{BB962C8B-B14F-4D97-AF65-F5344CB8AC3E}">
-        <p14:creationId xmlns:p14="http://schemas.microsoft.com/office/powerpoint/2010/main" val="3723228311"/>
+        <p14:creationId xmlns:p14="http://schemas.microsoft.com/office/powerpoint/2010/main" val="2950755263"/>
       </p:ext>
     </p:extLst>
   </p:cSld>
@@ -6023,8 +5996,8 @@
           <a:lstStyle/>
           <a:p>
             <a:r>
-              <a:rPr lang="pt-BR" b="1" dirty="0"/>
-              <a:t>O que foi feito para parar esse ataque?</a:t>
+              <a:rPr lang="pt-BR" sz="1800" b="1" dirty="0"/>
+              <a:t>Malwares utilizados</a:t>
             </a:r>
           </a:p>
           <a:p>
@@ -6032,12 +6005,27 @@
               <a:buNone/>
             </a:pPr>
             <a:r>
-              <a:rPr lang="pt-BR" b="1" dirty="0"/>
-              <a:t>Suspensão de e-mails corporativos</a:t>
-            </a:r>
-            <a:r>
-              <a:rPr lang="pt-BR" dirty="0"/>
-              <a:t>: Grandes organizações, como o Pentágono, a CIA e o Parlamento Britânico, suspenderam temporariamente seus serviços de e-mail para evitar a propagação.</a:t>
+              <a:rPr lang="pt-BR" dirty="0"/>
+              <a:t>O ataque foi realizado utilizando um </a:t>
+            </a:r>
+            <a:r>
+              <a:rPr lang="pt-BR" dirty="0" err="1"/>
+              <a:t>worm</a:t>
+            </a:r>
+            <a:r>
+              <a:rPr lang="pt-BR" dirty="0"/>
+              <a:t> escrito em Visual Basic Script (VBS).</a:t>
+            </a:r>
+          </a:p>
+          <a:p>
+            <a:pPr>
+              <a:spcBef>
+                <a:spcPts val="0"/>
+              </a:spcBef>
+            </a:pPr>
+            <a:r>
+              <a:rPr lang="pt-BR" sz="1800" b="1" dirty="0"/>
+              <a:t>Meio de propagação e funcionamento do ataque</a:t>
             </a:r>
           </a:p>
           <a:p>
@@ -6045,12 +6033,8 @@
               <a:buNone/>
             </a:pPr>
             <a:r>
-              <a:rPr lang="pt-BR" b="1" dirty="0"/>
-              <a:t>Desenvolvimento de patches e atualizações: </a:t>
-            </a:r>
-            <a:r>
-              <a:rPr lang="pt-BR" dirty="0"/>
-              <a:t>Empresas de segurança começaram a desenvolver patches e atualizações para bloquear o malware.</a:t>
+              <a:rPr lang="pt-BR" dirty="0"/>
+              <a:t>Propagação: O vírus se espalhava via e-mail, com o assunto "ILOVEYOU" e um anexo chamado "LOVE-LETTER-FOR-YOU.txt.vbs".</a:t>
             </a:r>
           </a:p>
           <a:p>
@@ -6059,32 +6043,50 @@
             </a:pPr>
             <a:r>
               <a:rPr lang="pt-BR" b="1" dirty="0"/>
-              <a:t>Campanhas de conscientização</a:t>
-            </a:r>
-            <a:r>
-              <a:rPr lang="pt-BR" dirty="0"/>
-              <a:t>: Usuários foram orientados a não abrir anexos desconhecidos.</a:t>
-            </a:r>
-          </a:p>
-          <a:p>
-            <a:pPr lvl="1" indent="0">
+              <a:t>Funcionamento:</a:t>
+            </a:r>
+          </a:p>
+          <a:p>
+            <a:pPr marL="1428750" lvl="2" indent="-285750"/>
+            <a:r>
+              <a:rPr lang="pt-BR" dirty="0"/>
+              <a:t>O usuário abria o anexo, acreditando ser uma carta de amor.</a:t>
+            </a:r>
+          </a:p>
+          <a:p>
+            <a:pPr marL="1428750" lvl="2" indent="-285750"/>
+            <a:r>
+              <a:rPr lang="pt-BR" dirty="0"/>
+              <a:t>O script sobrescrevia arquivos no computador, incluindo documentos do Office, imagens e áudios.</a:t>
+            </a:r>
+          </a:p>
+          <a:p>
+            <a:pPr marL="1428750" lvl="2" indent="-285750"/>
+            <a:r>
+              <a:rPr lang="pt-BR" dirty="0"/>
+              <a:t>O </a:t>
+            </a:r>
+            <a:r>
+              <a:rPr lang="pt-BR" dirty="0" err="1"/>
+              <a:t>worm</a:t>
+            </a:r>
+            <a:r>
+              <a:rPr lang="pt-BR" dirty="0"/>
+              <a:t> enviava automaticamente cópias de si mesmo para todos os contatos do Outlook do usuário, ampliando a disseminação global.</a:t>
+            </a:r>
+          </a:p>
+          <a:p>
+            <a:pPr marL="0" lvl="2" indent="0">
               <a:buNone/>
             </a:pPr>
-            <a:r>
-              <a:rPr lang="pt-BR" b="1" dirty="0"/>
-              <a:t>Bloqueio de anexos maliciosos:</a:t>
-            </a:r>
-            <a:r>
-              <a:rPr lang="pt-BR" dirty="0"/>
-              <a:t> Provedores de e-mail e administradores de TI passaram a filtrar mensagens contendo scripts potencialmente perigosos.</a:t>
-            </a:r>
+            <a:endParaRPr lang="pt-BR" sz="2000" dirty="0"/>
           </a:p>
         </p:txBody>
       </p:sp>
     </p:spTree>
     <p:extLst>
       <p:ext uri="{BB962C8B-B14F-4D97-AF65-F5344CB8AC3E}">
-        <p14:creationId xmlns:p14="http://schemas.microsoft.com/office/powerpoint/2010/main" val="3607171253"/>
+        <p14:creationId xmlns:p14="http://schemas.microsoft.com/office/powerpoint/2010/main" val="3723228311"/>
       </p:ext>
     </p:extLst>
   </p:cSld>
@@ -6166,80 +6168,60 @@
           <a:lstStyle/>
           <a:p>
             <a:r>
+              <a:rPr lang="pt-BR" sz="1800" b="1" dirty="0"/>
+              <a:t>O que foi feito para parar esse ataque?</a:t>
+            </a:r>
+          </a:p>
+          <a:p>
+            <a:pPr marL="971550" lvl="1" indent="-285750"/>
+            <a:r>
               <a:rPr lang="pt-BR" b="1" dirty="0"/>
-              <a:t>Número de dispositivos infectados e prejuízo total</a:t>
-            </a:r>
-          </a:p>
-          <a:p>
-            <a:pPr lvl="1" indent="0">
-              <a:buNone/>
-            </a:pPr>
-            <a:r>
-              <a:rPr lang="pt-BR" dirty="0"/>
-              <a:t>Na época do ataque, estima-se que existiam cerca de 500 milhões de computadores conectados à internet. Isso significa que aproximadamente 10% de todos os dispositivos conectados foram afetados pelo malware.</a:t>
-            </a:r>
-          </a:p>
-          <a:p>
-            <a:pPr lvl="1" indent="0">
-              <a:buNone/>
-            </a:pPr>
+              <a:t>Suspensão de e-mails corporativos</a:t>
+            </a:r>
+            <a:r>
+              <a:rPr lang="pt-BR" dirty="0"/>
+              <a:t>: Grandes organizações, como o Pentágono, a CIA e o Parlamento Britânico, suspenderam temporariamente seus serviços de e-mail para evitar a propagação.</a:t>
+            </a:r>
+          </a:p>
+          <a:p>
+            <a:pPr marL="971550" lvl="1" indent="-285750"/>
             <a:r>
               <a:rPr lang="pt-BR" b="1" dirty="0"/>
-              <a:t>Resumo dos impactos:</a:t>
-            </a:r>
-          </a:p>
-          <a:p>
-            <a:pPr lvl="2" indent="0">
-              <a:buNone/>
-            </a:pPr>
-            <a:r>
-              <a:rPr lang="pt-BR" dirty="0"/>
-              <a:t>Computadores infectados: Mais de 50 milhões</a:t>
-            </a:r>
-          </a:p>
-          <a:p>
-            <a:pPr lvl="2" indent="0">
-              <a:buNone/>
-            </a:pPr>
-            <a:r>
-              <a:rPr lang="pt-BR" dirty="0"/>
-              <a:t>Porcentagem de dispositivos afetados no mundo: ~10%</a:t>
-            </a:r>
-          </a:p>
-          <a:p>
-            <a:pPr lvl="1" indent="0">
-              <a:buNone/>
-            </a:pPr>
+              <a:t>Desenvolvimento de patches e atualizações: </a:t>
+            </a:r>
+            <a:r>
+              <a:rPr lang="pt-BR" dirty="0"/>
+              <a:t>Empresas de segurança começaram a desenvolver patches e atualizações para bloquear o malware.</a:t>
+            </a:r>
+          </a:p>
+          <a:p>
+            <a:pPr marL="971550" lvl="1" indent="-285750"/>
             <a:r>
               <a:rPr lang="pt-BR" b="1" dirty="0"/>
-              <a:t>Prejuízo total:</a:t>
-            </a:r>
-          </a:p>
-          <a:p>
-            <a:pPr lvl="2" indent="0">
-              <a:buNone/>
-            </a:pPr>
-            <a:r>
-              <a:rPr lang="pt-BR" dirty="0"/>
-              <a:t>Danos diretos: Entre US$ 5,5 e 8,7 bilhões</a:t>
-            </a:r>
-          </a:p>
-          <a:p>
-            <a:pPr lvl="2" indent="0">
-              <a:buNone/>
-            </a:pPr>
-            <a:r>
-              <a:rPr lang="pt-BR" dirty="0"/>
-              <a:t>Custos para remoção e recuperação: Cerca de US$ 15 bilhões</a:t>
-            </a:r>
-            <a:endParaRPr lang="pt-BR" sz="1800" dirty="0"/>
+              <a:t>Campanhas de conscientização</a:t>
+            </a:r>
+            <a:r>
+              <a:rPr lang="pt-BR" dirty="0"/>
+              <a:t>: Usuários foram orientados a não abrir anexos desconhecidos.</a:t>
+            </a:r>
+          </a:p>
+          <a:p>
+            <a:pPr marL="971550" lvl="1" indent="-285750"/>
+            <a:r>
+              <a:rPr lang="pt-BR" b="1" dirty="0"/>
+              <a:t>Bloqueio de anexos maliciosos:</a:t>
+            </a:r>
+            <a:r>
+              <a:rPr lang="pt-BR" dirty="0"/>
+              <a:t> Provedores de e-mail e administradores de TI passaram a filtrar mensagens contendo scripts potencialmente perigosos.</a:t>
+            </a:r>
           </a:p>
         </p:txBody>
       </p:sp>
     </p:spTree>
     <p:extLst>
       <p:ext uri="{BB962C8B-B14F-4D97-AF65-F5344CB8AC3E}">
-        <p14:creationId xmlns:p14="http://schemas.microsoft.com/office/powerpoint/2010/main" val="4242315244"/>
+        <p14:creationId xmlns:p14="http://schemas.microsoft.com/office/powerpoint/2010/main" val="3607171253"/>
       </p:ext>
     </p:extLst>
   </p:cSld>
@@ -6271,7 +6253,7 @@
           <p:cNvPr id="2" name="Título 1">
             <a:extLst>
               <a:ext uri="{FF2B5EF4-FFF2-40B4-BE49-F238E27FC236}">
-                <a16:creationId xmlns:a16="http://schemas.microsoft.com/office/drawing/2014/main" id="{8244C96E-DC8A-4903-8059-FE7D8949D18C}"/>
+                <a16:creationId xmlns:a16="http://schemas.microsoft.com/office/drawing/2014/main" id="{20F07B82-1834-41A3-ABA1-E45AF435174A}"/>
               </a:ext>
             </a:extLst>
           </p:cNvPr>
@@ -6304,7 +6286,7 @@
           <p:cNvPr id="3" name="Espaço Reservado para Conteúdo 2">
             <a:extLst>
               <a:ext uri="{FF2B5EF4-FFF2-40B4-BE49-F238E27FC236}">
-                <a16:creationId xmlns:a16="http://schemas.microsoft.com/office/drawing/2014/main" id="{FE975AE1-176A-4311-BED3-DF3FADA0242C}"/>
+                <a16:creationId xmlns:a16="http://schemas.microsoft.com/office/drawing/2014/main" id="{C0E443DE-AB2D-4846-9E7B-2081F1E6BFBA}"/>
               </a:ext>
             </a:extLst>
           </p:cNvPr>
@@ -6320,134 +6302,73 @@
           <a:bodyPr/>
           <a:lstStyle/>
           <a:p>
-            <a:pPr>
-              <a:spcBef>
-                <a:spcPts val="0"/>
-              </a:spcBef>
-            </a:pPr>
-            <a:r>
-              <a:rPr lang="pt-BR" b="1" dirty="0"/>
-              <a:t>Responsáveis pelo o ataque</a:t>
+            <a:r>
+              <a:rPr lang="pt-BR" sz="1800" b="1" dirty="0"/>
+              <a:t>Número de dispositivos infectados e prejuízo total</a:t>
             </a:r>
           </a:p>
           <a:p>
             <a:pPr lvl="1" indent="0">
-              <a:spcBef>
-                <a:spcPts val="0"/>
-              </a:spcBef>
               <a:buNone/>
             </a:pPr>
             <a:r>
               <a:rPr lang="pt-BR" dirty="0"/>
-              <a:t>O vírus </a:t>
-            </a:r>
-            <a:r>
-              <a:rPr lang="pt-BR" b="1" dirty="0"/>
-              <a:t>ILOVEYOU</a:t>
-            </a:r>
-            <a:r>
-              <a:rPr lang="pt-BR" dirty="0"/>
-              <a:t> foi criado por </a:t>
-            </a:r>
-            <a:r>
-              <a:rPr lang="pt-BR" b="1" dirty="0" err="1"/>
-              <a:t>Onel</a:t>
-            </a:r>
-            <a:r>
-              <a:rPr lang="pt-BR" b="1" dirty="0"/>
-              <a:t> de Guzmán</a:t>
-            </a:r>
-            <a:r>
-              <a:rPr lang="pt-BR" dirty="0"/>
-              <a:t>, um estudante filipino de ciência da computação. Na época, ele era membro de um grupo de hackers chamado </a:t>
-            </a:r>
-            <a:r>
-              <a:rPr lang="pt-BR" b="1" dirty="0" err="1"/>
-              <a:t>GRAMMERSoft</a:t>
-            </a:r>
-            <a:r>
-              <a:rPr lang="pt-BR" dirty="0"/>
-              <a:t>, que desenvolvia programas maliciosos.</a:t>
+              <a:t>Na época do ataque, estima-se que existiam cerca de 500 milhões de computadores conectados à internet. Isso significa que aproximadamente 10% de todos os dispositivos conectados foram afetados pelo malware.</a:t>
             </a:r>
           </a:p>
           <a:p>
             <a:pPr lvl="1" indent="0">
-              <a:spcBef>
-                <a:spcPts val="0"/>
-              </a:spcBef>
               <a:buNone/>
             </a:pPr>
             <a:r>
               <a:rPr lang="pt-BR" b="1" dirty="0"/>
-              <a:t>Motivação por trás do vírus</a:t>
-            </a:r>
-          </a:p>
-          <a:p>
-            <a:pPr lvl="2" indent="0">
-              <a:spcBef>
-                <a:spcPts val="0"/>
-              </a:spcBef>
+              <a:t>Resumo dos impactos:</a:t>
+            </a:r>
+          </a:p>
+          <a:p>
+            <a:pPr marL="1428750" lvl="2" indent="-285750"/>
+            <a:r>
+              <a:rPr lang="pt-BR" dirty="0"/>
+              <a:t>Computadores infectados: Mais de 50 milhões</a:t>
+            </a:r>
+          </a:p>
+          <a:p>
+            <a:pPr marL="1428750" lvl="2" indent="-285750"/>
+            <a:r>
+              <a:rPr lang="pt-BR" dirty="0"/>
+              <a:t>Porcentagem de dispositivos afetados no mundo: ~10%</a:t>
+            </a:r>
+          </a:p>
+          <a:p>
+            <a:pPr lvl="1" indent="0">
               <a:buNone/>
             </a:pPr>
             <a:r>
-              <a:rPr lang="pt-BR" dirty="0"/>
-              <a:t>Inicialmente, </a:t>
-            </a:r>
-            <a:r>
-              <a:rPr lang="pt-BR" dirty="0" err="1"/>
-              <a:t>Onel</a:t>
-            </a:r>
-            <a:r>
-              <a:rPr lang="pt-BR" dirty="0"/>
-              <a:t> de Guzmán afirmou que seu objetivo era roubar credenciais de internet para permitir o acesso gratuito à web, já que o serviço era caro nas Filipinas. No entanto, o vírus acabou se espalhando de forma descontrolada, causando um dos maiores </a:t>
-            </a:r>
-            <a:r>
-              <a:rPr lang="pt-BR" dirty="0" err="1"/>
-              <a:t>ciberataques</a:t>
-            </a:r>
-            <a:r>
-              <a:rPr lang="pt-BR" dirty="0"/>
-              <a:t> da história.</a:t>
-            </a:r>
-          </a:p>
-          <a:p>
-            <a:pPr lvl="1" indent="0">
-              <a:spcBef>
-                <a:spcPts val="0"/>
-              </a:spcBef>
-              <a:buNone/>
-            </a:pPr>
-            <a:r>
               <a:rPr lang="pt-BR" b="1" dirty="0"/>
-              <a:t>Consequências legais</a:t>
-            </a:r>
-          </a:p>
-          <a:p>
-            <a:pPr lvl="2" indent="0">
-              <a:spcBef>
-                <a:spcPts val="0"/>
-              </a:spcBef>
-              <a:buNone/>
-            </a:pPr>
-            <a:r>
-              <a:rPr lang="pt-BR" dirty="0"/>
-              <a:t>Apesar da enorme repercussão do ataque, </a:t>
-            </a:r>
-            <a:r>
-              <a:rPr lang="pt-BR" dirty="0" err="1"/>
-              <a:t>Onel</a:t>
-            </a:r>
-            <a:r>
-              <a:rPr lang="pt-BR" dirty="0"/>
-              <a:t> de Guzmán não foi punido criminalmente. Na época, as Filipinas não possuíam leis específicas contra crimes cibernéticos, o que impediu qualquer ação legal contra ele. No entanto, o incidente levou o país a criar novas regulamentações para crimes digitais.</a:t>
-            </a:r>
+              <a:t>Prejuízo total:</a:t>
+            </a:r>
+          </a:p>
+          <a:p>
+            <a:pPr marL="1428750" lvl="2" indent="-285750"/>
+            <a:r>
+              <a:rPr lang="pt-BR" dirty="0"/>
+              <a:t>Danos diretos: Entre US$ 5,5 e 8,7 bilhões</a:t>
+            </a:r>
+          </a:p>
+          <a:p>
+            <a:pPr marL="1428750" lvl="2" indent="-285750"/>
+            <a:r>
+              <a:rPr lang="pt-BR" dirty="0"/>
+              <a:t>Custos para remoção e recuperação: Cerca de US$ 15 bilhões</a:t>
+            </a:r>
+            <a:endParaRPr lang="pt-BR" sz="1800" dirty="0"/>
           </a:p>
         </p:txBody>
       </p:sp>
     </p:spTree>
     <p:extLst>
       <p:ext uri="{BB962C8B-B14F-4D97-AF65-F5344CB8AC3E}">
-        <p14:creationId xmlns:p14="http://schemas.microsoft.com/office/powerpoint/2010/main" val="3641694098"/>
+        <p14:creationId xmlns:p14="http://schemas.microsoft.com/office/powerpoint/2010/main" val="4242315244"/>
       </p:ext>
     </p:extLst>
   </p:cSld>
@@ -6523,6 +6444,214 @@
             <p:ph idx="1"/>
           </p:nvPr>
         </p:nvSpPr>
+        <p:spPr/>
+        <p:txBody>
+          <a:bodyPr/>
+          <a:lstStyle/>
+          <a:p>
+            <a:pPr>
+              <a:spcBef>
+                <a:spcPts val="0"/>
+              </a:spcBef>
+            </a:pPr>
+            <a:r>
+              <a:rPr lang="pt-BR" sz="1800" b="1" dirty="0"/>
+              <a:t>Responsáveis pelo o ataque</a:t>
+            </a:r>
+          </a:p>
+          <a:p>
+            <a:pPr lvl="1" indent="0">
+              <a:spcBef>
+                <a:spcPts val="0"/>
+              </a:spcBef>
+              <a:buNone/>
+            </a:pPr>
+            <a:r>
+              <a:rPr lang="pt-BR" dirty="0"/>
+              <a:t>O vírus </a:t>
+            </a:r>
+            <a:r>
+              <a:rPr lang="pt-BR" b="1" dirty="0"/>
+              <a:t>ILOVEYOU</a:t>
+            </a:r>
+            <a:r>
+              <a:rPr lang="pt-BR" dirty="0"/>
+              <a:t> foi criado por </a:t>
+            </a:r>
+            <a:r>
+              <a:rPr lang="pt-BR" b="1" dirty="0" err="1"/>
+              <a:t>Onel</a:t>
+            </a:r>
+            <a:r>
+              <a:rPr lang="pt-BR" b="1" dirty="0"/>
+              <a:t> de Guzmán</a:t>
+            </a:r>
+            <a:r>
+              <a:rPr lang="pt-BR" dirty="0"/>
+              <a:t>, um estudante filipino de ciência da computação. Na época, ele era membro de um grupo de hackers chamado </a:t>
+            </a:r>
+            <a:r>
+              <a:rPr lang="pt-BR" b="1" dirty="0" err="1"/>
+              <a:t>GRAMMERSoft</a:t>
+            </a:r>
+            <a:r>
+              <a:rPr lang="pt-BR" dirty="0"/>
+              <a:t>, que desenvolvia programas maliciosos.</a:t>
+            </a:r>
+          </a:p>
+          <a:p>
+            <a:pPr lvl="1" indent="0">
+              <a:spcBef>
+                <a:spcPts val="0"/>
+              </a:spcBef>
+              <a:buNone/>
+            </a:pPr>
+            <a:r>
+              <a:rPr lang="pt-BR" b="1" dirty="0"/>
+              <a:t>Motivação por trás do vírus</a:t>
+            </a:r>
+          </a:p>
+          <a:p>
+            <a:pPr lvl="2" indent="0">
+              <a:spcBef>
+                <a:spcPts val="0"/>
+              </a:spcBef>
+              <a:buNone/>
+            </a:pPr>
+            <a:r>
+              <a:rPr lang="pt-BR" dirty="0"/>
+              <a:t>Inicialmente, </a:t>
+            </a:r>
+            <a:r>
+              <a:rPr lang="pt-BR" dirty="0" err="1"/>
+              <a:t>Onel</a:t>
+            </a:r>
+            <a:r>
+              <a:rPr lang="pt-BR" dirty="0"/>
+              <a:t> de Guzmán afirmou que seu objetivo era roubar credenciais de internet para permitir o acesso gratuito à web, já que o serviço era caro nas Filipinas. No entanto, o vírus acabou se espalhando de forma descontrolada, causando um dos maiores </a:t>
+            </a:r>
+            <a:r>
+              <a:rPr lang="pt-BR" dirty="0" err="1"/>
+              <a:t>ciberataques</a:t>
+            </a:r>
+            <a:r>
+              <a:rPr lang="pt-BR" dirty="0"/>
+              <a:t> da história.</a:t>
+            </a:r>
+          </a:p>
+          <a:p>
+            <a:pPr lvl="1" indent="0">
+              <a:spcBef>
+                <a:spcPts val="0"/>
+              </a:spcBef>
+              <a:buNone/>
+            </a:pPr>
+            <a:r>
+              <a:rPr lang="pt-BR" b="1" dirty="0"/>
+              <a:t>Consequências legais</a:t>
+            </a:r>
+          </a:p>
+          <a:p>
+            <a:pPr lvl="2" indent="0">
+              <a:spcBef>
+                <a:spcPts val="0"/>
+              </a:spcBef>
+              <a:buNone/>
+            </a:pPr>
+            <a:r>
+              <a:rPr lang="pt-BR" dirty="0"/>
+              <a:t>Apesar da enorme repercussão do ataque, </a:t>
+            </a:r>
+            <a:r>
+              <a:rPr lang="pt-BR" dirty="0" err="1"/>
+              <a:t>Onel</a:t>
+            </a:r>
+            <a:r>
+              <a:rPr lang="pt-BR" dirty="0"/>
+              <a:t> de Guzmán não foi punido criminalmente. Na época, as Filipinas não possuíam leis específicas contra crimes cibernéticos, o que impediu qualquer ação legal contra ele. No entanto, o incidente levou o país a criar novas regulamentações para crimes digitais.</a:t>
+            </a:r>
+          </a:p>
+        </p:txBody>
+      </p:sp>
+    </p:spTree>
+    <p:extLst>
+      <p:ext uri="{BB962C8B-B14F-4D97-AF65-F5344CB8AC3E}">
+        <p14:creationId xmlns:p14="http://schemas.microsoft.com/office/powerpoint/2010/main" val="3641694098"/>
+      </p:ext>
+    </p:extLst>
+  </p:cSld>
+  <p:clrMapOvr>
+    <a:masterClrMapping/>
+  </p:clrMapOvr>
+</p:sld>
+</file>
+
+<file path=ppt/slides/slide17.xml><?xml version="1.0" encoding="utf-8"?>
+<p:sld xmlns:a="http://schemas.openxmlformats.org/drawingml/2006/main" xmlns:r="http://schemas.openxmlformats.org/officeDocument/2006/relationships" xmlns:p="http://schemas.openxmlformats.org/presentationml/2006/main">
+  <p:cSld>
+    <p:spTree>
+      <p:nvGrpSpPr>
+        <p:cNvPr id="1" name=""/>
+        <p:cNvGrpSpPr/>
+        <p:nvPr/>
+      </p:nvGrpSpPr>
+      <p:grpSpPr>
+        <a:xfrm>
+          <a:off x="0" y="0"/>
+          <a:ext cx="0" cy="0"/>
+          <a:chOff x="0" y="0"/>
+          <a:chExt cx="0" cy="0"/>
+        </a:xfrm>
+      </p:grpSpPr>
+      <p:sp>
+        <p:nvSpPr>
+          <p:cNvPr id="2" name="Título 1">
+            <a:extLst>
+              <a:ext uri="{FF2B5EF4-FFF2-40B4-BE49-F238E27FC236}">
+                <a16:creationId xmlns:a16="http://schemas.microsoft.com/office/drawing/2014/main" id="{8244C96E-DC8A-4903-8059-FE7D8949D18C}"/>
+              </a:ext>
+            </a:extLst>
+          </p:cNvPr>
+          <p:cNvSpPr>
+            <a:spLocks noGrp="1"/>
+          </p:cNvSpPr>
+          <p:nvPr>
+            <p:ph type="title"/>
+          </p:nvPr>
+        </p:nvSpPr>
+        <p:spPr/>
+        <p:txBody>
+          <a:bodyPr/>
+          <a:lstStyle/>
+          <a:p>
+            <a:r>
+              <a:rPr lang="pt-BR" dirty="0"/>
+              <a:t>Casos reais – </a:t>
+            </a:r>
+            <a:r>
+              <a:rPr lang="pt-BR" dirty="0" err="1"/>
+              <a:t>ILoveYou</a:t>
+            </a:r>
+            <a:endParaRPr lang="pt-BR" dirty="0"/>
+          </a:p>
+        </p:txBody>
+      </p:sp>
+      <p:sp>
+        <p:nvSpPr>
+          <p:cNvPr id="3" name="Espaço Reservado para Conteúdo 2">
+            <a:extLst>
+              <a:ext uri="{FF2B5EF4-FFF2-40B4-BE49-F238E27FC236}">
+                <a16:creationId xmlns:a16="http://schemas.microsoft.com/office/drawing/2014/main" id="{FE975AE1-176A-4311-BED3-DF3FADA0242C}"/>
+              </a:ext>
+            </a:extLst>
+          </p:cNvPr>
+          <p:cNvSpPr>
+            <a:spLocks noGrp="1"/>
+          </p:cNvSpPr>
+          <p:nvPr>
+            <p:ph idx="1"/>
+          </p:nvPr>
+        </p:nvSpPr>
         <p:spPr>
           <a:xfrm>
             <a:off x="592347" y="1844675"/>
@@ -6540,7 +6669,7 @@
               <a:buNone/>
             </a:pPr>
             <a:r>
-              <a:rPr lang="pt-BR" sz="2000" b="1" dirty="0"/>
+              <a:rPr lang="pt-BR" sz="1800" b="1" dirty="0"/>
               <a:t>O que aconteceu com ele depois?</a:t>
             </a:r>
           </a:p>
@@ -6589,15 +6718,15 @@
               <a:buNone/>
             </a:pPr>
             <a:r>
-              <a:rPr lang="pt-BR" sz="2000" b="1" dirty="0"/>
+              <a:rPr lang="pt-BR" sz="1800" b="1" dirty="0"/>
               <a:t>Vídeo explicando o ataque </a:t>
             </a:r>
             <a:r>
-              <a:rPr lang="pt-BR" sz="2000" b="1" dirty="0" err="1"/>
+              <a:rPr lang="pt-BR" sz="1800" b="1" dirty="0" err="1"/>
               <a:t>ILoveYou</a:t>
             </a:r>
             <a:r>
-              <a:rPr lang="pt-BR" sz="2000" b="1" dirty="0"/>
+              <a:rPr lang="pt-BR" sz="1800" b="1" dirty="0"/>
               <a:t>:</a:t>
             </a:r>
           </a:p>
@@ -6619,6 +6748,360 @@
     <p:extLst>
       <p:ext uri="{BB962C8B-B14F-4D97-AF65-F5344CB8AC3E}">
         <p14:creationId xmlns:p14="http://schemas.microsoft.com/office/powerpoint/2010/main" val="1189411122"/>
+      </p:ext>
+    </p:extLst>
+  </p:cSld>
+  <p:clrMapOvr>
+    <a:masterClrMapping/>
+  </p:clrMapOvr>
+</p:sld>
+</file>
+
+<file path=ppt/slides/slide18.xml><?xml version="1.0" encoding="utf-8"?>
+<p:sld xmlns:a="http://schemas.openxmlformats.org/drawingml/2006/main" xmlns:r="http://schemas.openxmlformats.org/officeDocument/2006/relationships" xmlns:p="http://schemas.openxmlformats.org/presentationml/2006/main">
+  <p:cSld>
+    <p:spTree>
+      <p:nvGrpSpPr>
+        <p:cNvPr id="1" name=""/>
+        <p:cNvGrpSpPr/>
+        <p:nvPr/>
+      </p:nvGrpSpPr>
+      <p:grpSpPr>
+        <a:xfrm>
+          <a:off x="0" y="0"/>
+          <a:ext cx="0" cy="0"/>
+          <a:chOff x="0" y="0"/>
+          <a:chExt cx="0" cy="0"/>
+        </a:xfrm>
+      </p:grpSpPr>
+      <p:sp>
+        <p:nvSpPr>
+          <p:cNvPr id="2" name="Título 1">
+            <a:extLst>
+              <a:ext uri="{FF2B5EF4-FFF2-40B4-BE49-F238E27FC236}">
+                <a16:creationId xmlns:a16="http://schemas.microsoft.com/office/drawing/2014/main" id="{C38F533B-5079-4447-AA4C-751B8156D188}"/>
+              </a:ext>
+            </a:extLst>
+          </p:cNvPr>
+          <p:cNvSpPr>
+            <a:spLocks noGrp="1"/>
+          </p:cNvSpPr>
+          <p:nvPr>
+            <p:ph type="title"/>
+          </p:nvPr>
+        </p:nvSpPr>
+        <p:spPr/>
+        <p:txBody>
+          <a:bodyPr/>
+          <a:lstStyle/>
+          <a:p>
+            <a:r>
+              <a:rPr lang="pt-BR" dirty="0"/>
+              <a:t>Casos reais – </a:t>
+            </a:r>
+            <a:r>
+              <a:rPr lang="pt-BR" dirty="0" err="1"/>
+              <a:t>Stuxnet</a:t>
+            </a:r>
+            <a:endParaRPr lang="pt-BR" dirty="0"/>
+          </a:p>
+        </p:txBody>
+      </p:sp>
+      <p:sp>
+        <p:nvSpPr>
+          <p:cNvPr id="3" name="Espaço Reservado para Conteúdo 2">
+            <a:extLst>
+              <a:ext uri="{FF2B5EF4-FFF2-40B4-BE49-F238E27FC236}">
+                <a16:creationId xmlns:a16="http://schemas.microsoft.com/office/drawing/2014/main" id="{278D4BA6-2695-4157-A2D2-3BDFD3FDD731}"/>
+              </a:ext>
+            </a:extLst>
+          </p:cNvPr>
+          <p:cNvSpPr>
+            <a:spLocks noGrp="1"/>
+          </p:cNvSpPr>
+          <p:nvPr>
+            <p:ph idx="1"/>
+          </p:nvPr>
+        </p:nvSpPr>
+        <p:spPr>
+          <a:xfrm>
+            <a:off x="838534" y="2528110"/>
+            <a:ext cx="6261035" cy="3475470"/>
+          </a:xfrm>
+        </p:spPr>
+        <p:txBody>
+          <a:bodyPr/>
+          <a:lstStyle/>
+          <a:p>
+            <a:r>
+              <a:rPr lang="pt-BR" sz="1800" dirty="0"/>
+              <a:t>O </a:t>
+            </a:r>
+            <a:r>
+              <a:rPr lang="pt-BR" sz="1800" dirty="0" err="1"/>
+              <a:t>Stuxnet</a:t>
+            </a:r>
+            <a:r>
+              <a:rPr lang="pt-BR" sz="1800" dirty="0"/>
+              <a:t> foi um ataque cibernético sofisticado criado pelos EUA e Israel para sabotar o programa nuclear iraniano. Descoberto em 2010, ele visava especificamente as centrífugas de enriquecimento de urânio na usina de </a:t>
+            </a:r>
+            <a:r>
+              <a:rPr lang="pt-BR" sz="1800" dirty="0" err="1"/>
+              <a:t>Natanz</a:t>
+            </a:r>
+            <a:r>
+              <a:rPr lang="pt-BR" sz="1800" dirty="0"/>
+              <a:t>, alterando seu funcionamento de forma imperceptível e causando danos físicos. Esse ataque marcou a história da guerra cibernética ao demonstrar como um malware pode ser usado para sabotagem em larga escala.</a:t>
+            </a:r>
+          </a:p>
+        </p:txBody>
+      </p:sp>
+      <p:pic>
+        <p:nvPicPr>
+          <p:cNvPr id="4" name="Imagem 3">
+            <a:extLst>
+              <a:ext uri="{FF2B5EF4-FFF2-40B4-BE49-F238E27FC236}">
+                <a16:creationId xmlns:a16="http://schemas.microsoft.com/office/drawing/2014/main" id="{5120C2DB-E9EC-48D4-90B2-FA05399639B8}"/>
+              </a:ext>
+            </a:extLst>
+          </p:cNvPr>
+          <p:cNvPicPr>
+            <a:picLocks noChangeAspect="1"/>
+          </p:cNvPicPr>
+          <p:nvPr/>
+        </p:nvPicPr>
+        <p:blipFill>
+          <a:blip r:embed="rId2"/>
+          <a:stretch>
+            <a:fillRect/>
+          </a:stretch>
+        </p:blipFill>
+        <p:spPr>
+          <a:xfrm>
+            <a:off x="7938103" y="3716533"/>
+            <a:ext cx="3415363" cy="1098625"/>
+          </a:xfrm>
+          <a:prstGeom prst="rect">
+            <a:avLst/>
+          </a:prstGeom>
+        </p:spPr>
+      </p:pic>
+    </p:spTree>
+    <p:extLst>
+      <p:ext uri="{BB962C8B-B14F-4D97-AF65-F5344CB8AC3E}">
+        <p14:creationId xmlns:p14="http://schemas.microsoft.com/office/powerpoint/2010/main" val="2628104251"/>
+      </p:ext>
+    </p:extLst>
+  </p:cSld>
+  <p:clrMapOvr>
+    <a:masterClrMapping/>
+  </p:clrMapOvr>
+</p:sld>
+</file>
+
+<file path=ppt/slides/slide19.xml><?xml version="1.0" encoding="utf-8"?>
+<p:sld xmlns:a="http://schemas.openxmlformats.org/drawingml/2006/main" xmlns:r="http://schemas.openxmlformats.org/officeDocument/2006/relationships" xmlns:p="http://schemas.openxmlformats.org/presentationml/2006/main">
+  <p:cSld>
+    <p:spTree>
+      <p:nvGrpSpPr>
+        <p:cNvPr id="1" name=""/>
+        <p:cNvGrpSpPr/>
+        <p:nvPr/>
+      </p:nvGrpSpPr>
+      <p:grpSpPr>
+        <a:xfrm>
+          <a:off x="0" y="0"/>
+          <a:ext cx="0" cy="0"/>
+          <a:chOff x="0" y="0"/>
+          <a:chExt cx="0" cy="0"/>
+        </a:xfrm>
+      </p:grpSpPr>
+      <p:sp>
+        <p:nvSpPr>
+          <p:cNvPr id="2" name="Título 1">
+            <a:extLst>
+              <a:ext uri="{FF2B5EF4-FFF2-40B4-BE49-F238E27FC236}">
+                <a16:creationId xmlns:a16="http://schemas.microsoft.com/office/drawing/2014/main" id="{20F07B82-1834-41A3-ABA1-E45AF435174A}"/>
+              </a:ext>
+            </a:extLst>
+          </p:cNvPr>
+          <p:cNvSpPr>
+            <a:spLocks noGrp="1"/>
+          </p:cNvSpPr>
+          <p:nvPr>
+            <p:ph type="title"/>
+          </p:nvPr>
+        </p:nvSpPr>
+        <p:spPr/>
+        <p:txBody>
+          <a:bodyPr/>
+          <a:lstStyle/>
+          <a:p>
+            <a:r>
+              <a:rPr lang="pt-BR" dirty="0"/>
+              <a:t>Casos reais – </a:t>
+            </a:r>
+            <a:r>
+              <a:rPr lang="pt-BR" dirty="0" err="1"/>
+              <a:t>Stuxnet</a:t>
+            </a:r>
+            <a:endParaRPr lang="pt-BR" dirty="0"/>
+          </a:p>
+        </p:txBody>
+      </p:sp>
+      <p:sp>
+        <p:nvSpPr>
+          <p:cNvPr id="3" name="Espaço Reservado para Conteúdo 2">
+            <a:extLst>
+              <a:ext uri="{FF2B5EF4-FFF2-40B4-BE49-F238E27FC236}">
+                <a16:creationId xmlns:a16="http://schemas.microsoft.com/office/drawing/2014/main" id="{C0E443DE-AB2D-4846-9E7B-2081F1E6BFBA}"/>
+              </a:ext>
+            </a:extLst>
+          </p:cNvPr>
+          <p:cNvSpPr>
+            <a:spLocks noGrp="1"/>
+          </p:cNvSpPr>
+          <p:nvPr>
+            <p:ph idx="1"/>
+          </p:nvPr>
+        </p:nvSpPr>
+        <p:spPr/>
+        <p:txBody>
+          <a:bodyPr/>
+          <a:lstStyle/>
+          <a:p>
+            <a:r>
+              <a:rPr lang="pt-BR" sz="1800" b="1" dirty="0"/>
+              <a:t>Malwares utilizados</a:t>
+            </a:r>
+          </a:p>
+          <a:p>
+            <a:pPr lvl="1" indent="0">
+              <a:buNone/>
+            </a:pPr>
+            <a:r>
+              <a:rPr lang="pt-BR" dirty="0"/>
+              <a:t>O </a:t>
+            </a:r>
+            <a:r>
+              <a:rPr lang="pt-BR" dirty="0" err="1"/>
+              <a:t>Stuxnet</a:t>
+            </a:r>
+            <a:r>
+              <a:rPr lang="pt-BR" dirty="0"/>
+              <a:t> foi um </a:t>
+            </a:r>
+            <a:r>
+              <a:rPr lang="pt-BR" b="1" dirty="0" err="1"/>
+              <a:t>worm</a:t>
+            </a:r>
+            <a:r>
+              <a:rPr lang="pt-BR" dirty="0"/>
+              <a:t> altamente sofisticado, projetado especificamente para atacar sistemas industriais. Ele explorava </a:t>
+            </a:r>
+            <a:r>
+              <a:rPr lang="pt-BR" b="1" dirty="0"/>
+              <a:t>vulnerabilidades de dia zero</a:t>
+            </a:r>
+            <a:r>
+              <a:rPr lang="pt-BR" dirty="0"/>
+              <a:t> no Windows e manipulava </a:t>
+            </a:r>
+            <a:r>
+              <a:rPr lang="pt-BR" b="1" dirty="0"/>
+              <a:t>Controladores Lógicos Programáveis (</a:t>
+            </a:r>
+            <a:r>
+              <a:rPr lang="pt-BR" b="1" dirty="0" err="1"/>
+              <a:t>CLPs</a:t>
+            </a:r>
+            <a:r>
+              <a:rPr lang="pt-BR" b="1" dirty="0"/>
+              <a:t>)</a:t>
+            </a:r>
+            <a:r>
+              <a:rPr lang="pt-BR" dirty="0"/>
+              <a:t> da Siemens.</a:t>
+            </a:r>
+          </a:p>
+          <a:p>
+            <a:pPr>
+              <a:spcBef>
+                <a:spcPts val="0"/>
+              </a:spcBef>
+            </a:pPr>
+            <a:r>
+              <a:rPr lang="pt-BR" sz="1800" b="1" dirty="0"/>
+              <a:t>Meio de propagação e funcionamento do ataque</a:t>
+            </a:r>
+          </a:p>
+          <a:p>
+            <a:pPr marL="971550" lvl="1" indent="-285750"/>
+            <a:r>
+              <a:rPr lang="pt-BR" dirty="0"/>
+              <a:t>O </a:t>
+            </a:r>
+            <a:r>
+              <a:rPr lang="pt-BR" dirty="0" err="1"/>
+              <a:t>Stuxnet</a:t>
+            </a:r>
+            <a:r>
+              <a:rPr lang="pt-BR" dirty="0"/>
+              <a:t> não foi entregue via internet, pois as instalações iranianas estavam desconectadas da rede mundial.</a:t>
+            </a:r>
+          </a:p>
+          <a:p>
+            <a:pPr marL="971550" lvl="1" indent="-285750"/>
+            <a:r>
+              <a:rPr lang="pt-BR" dirty="0"/>
+              <a:t>O malware foi introduzido por </a:t>
+            </a:r>
+            <a:r>
+              <a:rPr lang="pt-BR" dirty="0" err="1"/>
+              <a:t>pendrives</a:t>
+            </a:r>
+            <a:r>
+              <a:rPr lang="pt-BR" dirty="0"/>
+              <a:t> ou laptops contaminados.</a:t>
+            </a:r>
+          </a:p>
+          <a:p>
+            <a:pPr marL="971550" lvl="1" indent="-285750"/>
+            <a:r>
+              <a:rPr lang="pt-BR" dirty="0"/>
+              <a:t>Assim que infectava um sistema, o </a:t>
+            </a:r>
+            <a:r>
+              <a:rPr lang="pt-BR" dirty="0" err="1"/>
+              <a:t>worm</a:t>
+            </a:r>
+            <a:r>
+              <a:rPr lang="pt-BR" dirty="0"/>
+              <a:t> se autorreplicava e explorava vulnerabilidades no Windows para se espalhar por toda a rede.</a:t>
+            </a:r>
+          </a:p>
+          <a:p>
+            <a:pPr marL="971550" lvl="1" indent="-285750"/>
+            <a:r>
+              <a:rPr lang="pt-BR" dirty="0"/>
+              <a:t>O objetivo era modificar o código dos </a:t>
+            </a:r>
+            <a:r>
+              <a:rPr lang="pt-BR" dirty="0" err="1"/>
+              <a:t>CLPs</a:t>
+            </a:r>
+            <a:r>
+              <a:rPr lang="pt-BR" dirty="0"/>
+              <a:t> da Siemens, usados para controlar as centrífugas nucleares, fazendo com que elas girassem em velocidades perigosas e se autodestruíssem.</a:t>
+            </a:r>
+            <a:endParaRPr lang="pt-BR" sz="2000" dirty="0"/>
+          </a:p>
+        </p:txBody>
+      </p:sp>
+    </p:spTree>
+    <p:extLst>
+      <p:ext uri="{BB962C8B-B14F-4D97-AF65-F5344CB8AC3E}">
+        <p14:creationId xmlns:p14="http://schemas.microsoft.com/office/powerpoint/2010/main" val="1787775647"/>
       </p:ext>
     </p:extLst>
   </p:cSld>
@@ -6899,6 +7382,1411 @@
     <p:extLst>
       <p:ext uri="{BB962C8B-B14F-4D97-AF65-F5344CB8AC3E}">
         <p14:creationId xmlns:p14="http://schemas.microsoft.com/office/powerpoint/2010/main" val="260669242"/>
+      </p:ext>
+    </p:extLst>
+  </p:cSld>
+  <p:clrMapOvr>
+    <a:masterClrMapping/>
+  </p:clrMapOvr>
+</p:sld>
+</file>
+
+<file path=ppt/slides/slide20.xml><?xml version="1.0" encoding="utf-8"?>
+<p:sld xmlns:a="http://schemas.openxmlformats.org/drawingml/2006/main" xmlns:r="http://schemas.openxmlformats.org/officeDocument/2006/relationships" xmlns:p="http://schemas.openxmlformats.org/presentationml/2006/main">
+  <p:cSld>
+    <p:spTree>
+      <p:nvGrpSpPr>
+        <p:cNvPr id="1" name=""/>
+        <p:cNvGrpSpPr/>
+        <p:nvPr/>
+      </p:nvGrpSpPr>
+      <p:grpSpPr>
+        <a:xfrm>
+          <a:off x="0" y="0"/>
+          <a:ext cx="0" cy="0"/>
+          <a:chOff x="0" y="0"/>
+          <a:chExt cx="0" cy="0"/>
+        </a:xfrm>
+      </p:grpSpPr>
+      <p:sp>
+        <p:nvSpPr>
+          <p:cNvPr id="2" name="Título 1">
+            <a:extLst>
+              <a:ext uri="{FF2B5EF4-FFF2-40B4-BE49-F238E27FC236}">
+                <a16:creationId xmlns:a16="http://schemas.microsoft.com/office/drawing/2014/main" id="{20F07B82-1834-41A3-ABA1-E45AF435174A}"/>
+              </a:ext>
+            </a:extLst>
+          </p:cNvPr>
+          <p:cNvSpPr>
+            <a:spLocks noGrp="1"/>
+          </p:cNvSpPr>
+          <p:nvPr>
+            <p:ph type="title"/>
+          </p:nvPr>
+        </p:nvSpPr>
+        <p:spPr/>
+        <p:txBody>
+          <a:bodyPr/>
+          <a:lstStyle/>
+          <a:p>
+            <a:r>
+              <a:rPr lang="pt-BR" dirty="0"/>
+              <a:t>Casos reais – </a:t>
+            </a:r>
+            <a:r>
+              <a:rPr lang="pt-BR" dirty="0" err="1"/>
+              <a:t>Stuxnet</a:t>
+            </a:r>
+            <a:endParaRPr lang="pt-BR" dirty="0"/>
+          </a:p>
+        </p:txBody>
+      </p:sp>
+      <p:sp>
+        <p:nvSpPr>
+          <p:cNvPr id="3" name="Espaço Reservado para Conteúdo 2">
+            <a:extLst>
+              <a:ext uri="{FF2B5EF4-FFF2-40B4-BE49-F238E27FC236}">
+                <a16:creationId xmlns:a16="http://schemas.microsoft.com/office/drawing/2014/main" id="{C0E443DE-AB2D-4846-9E7B-2081F1E6BFBA}"/>
+              </a:ext>
+            </a:extLst>
+          </p:cNvPr>
+          <p:cNvSpPr>
+            <a:spLocks noGrp="1"/>
+          </p:cNvSpPr>
+          <p:nvPr>
+            <p:ph idx="1"/>
+          </p:nvPr>
+        </p:nvSpPr>
+        <p:spPr/>
+        <p:txBody>
+          <a:bodyPr/>
+          <a:lstStyle/>
+          <a:p>
+            <a:pPr marL="973350" indent="-285750">
+              <a:spcBef>
+                <a:spcPts val="0"/>
+              </a:spcBef>
+              <a:buFont typeface="Arial" panose="020B0604020202020204" pitchFamily="34" charset="0"/>
+              <a:buChar char="•"/>
+            </a:pPr>
+            <a:r>
+              <a:rPr lang="pt-BR" sz="1600" dirty="0"/>
+              <a:t>Para evitar detecção, o </a:t>
+            </a:r>
+            <a:r>
+              <a:rPr lang="pt-BR" sz="1600" dirty="0" err="1"/>
+              <a:t>Stuxnet</a:t>
+            </a:r>
+            <a:r>
+              <a:rPr lang="pt-BR" sz="1600" dirty="0"/>
+              <a:t> enviava dados falsos para os operadores, simulando que as máquinas estavam funcionando normalmente.</a:t>
+            </a:r>
+            <a:endParaRPr lang="pt-BR" sz="1600" b="1" dirty="0"/>
+          </a:p>
+          <a:p>
+            <a:pPr>
+              <a:spcBef>
+                <a:spcPts val="0"/>
+              </a:spcBef>
+            </a:pPr>
+            <a:r>
+              <a:rPr lang="pt-BR" sz="1800" b="1" dirty="0"/>
+              <a:t>O que foi feito para parar esse ataque?</a:t>
+            </a:r>
+          </a:p>
+          <a:p>
+            <a:pPr lvl="1" indent="0">
+              <a:buNone/>
+            </a:pPr>
+            <a:r>
+              <a:rPr lang="pt-BR" dirty="0"/>
+              <a:t>Após a descoberta do </a:t>
+            </a:r>
+            <a:r>
+              <a:rPr lang="pt-BR" dirty="0" err="1"/>
+              <a:t>Stuxnet</a:t>
+            </a:r>
+            <a:r>
+              <a:rPr lang="pt-BR" dirty="0"/>
+              <a:t> em 2010, especialistas em </a:t>
+            </a:r>
+            <a:r>
+              <a:rPr lang="pt-BR" dirty="0" err="1"/>
+              <a:t>cibersegurança</a:t>
+            </a:r>
+            <a:r>
+              <a:rPr lang="pt-BR" dirty="0"/>
+              <a:t> trabalharam para analisá-lo e desenvolver patches de segurança. A Microsoft lançou atualizações para corrigir as vulnerabilidades exploradas pelo </a:t>
+            </a:r>
+            <a:r>
+              <a:rPr lang="pt-BR" dirty="0" err="1"/>
+              <a:t>worm</a:t>
+            </a:r>
+            <a:r>
+              <a:rPr lang="pt-BR" dirty="0"/>
+              <a:t>. O Irã também tentou conter o ataque, removendo o malware de suas redes e substituindo equipamentos danificados.</a:t>
+            </a:r>
+          </a:p>
+          <a:p>
+            <a:pPr>
+              <a:spcBef>
+                <a:spcPts val="0"/>
+              </a:spcBef>
+            </a:pPr>
+            <a:r>
+              <a:rPr lang="pt-BR" sz="1800" b="1" dirty="0"/>
+              <a:t>Motivo do ataque?</a:t>
+            </a:r>
+          </a:p>
+          <a:p>
+            <a:pPr lvl="1" indent="0">
+              <a:buNone/>
+            </a:pPr>
+            <a:r>
+              <a:rPr lang="pt-BR" dirty="0"/>
+              <a:t>O </a:t>
+            </a:r>
+            <a:r>
+              <a:rPr lang="pt-BR" dirty="0" err="1"/>
+              <a:t>Stuxnet</a:t>
+            </a:r>
+            <a:r>
+              <a:rPr lang="pt-BR" dirty="0"/>
+              <a:t> foi desenvolvido pelos Estados Unidos e Israel como parte da operação </a:t>
+            </a:r>
+            <a:r>
+              <a:rPr lang="pt-BR" dirty="0" err="1"/>
+              <a:t>ultra-secreta</a:t>
+            </a:r>
+            <a:r>
+              <a:rPr lang="pt-BR" dirty="0"/>
+              <a:t> chamada "Jogos Olímpicos". O objetivo era atrasar e enfraquecer o programa nuclear do Irã, impedindo o desenvolvimento de armas nucleares sem precisar de uma ação militar direta.</a:t>
+            </a:r>
+          </a:p>
+          <a:p>
+            <a:pPr marL="0" lvl="1" indent="0">
+              <a:buNone/>
+            </a:pPr>
+            <a:endParaRPr lang="pt-BR" dirty="0"/>
+          </a:p>
+        </p:txBody>
+      </p:sp>
+    </p:spTree>
+    <p:extLst>
+      <p:ext uri="{BB962C8B-B14F-4D97-AF65-F5344CB8AC3E}">
+        <p14:creationId xmlns:p14="http://schemas.microsoft.com/office/powerpoint/2010/main" val="1841996316"/>
+      </p:ext>
+    </p:extLst>
+  </p:cSld>
+  <p:clrMapOvr>
+    <a:masterClrMapping/>
+  </p:clrMapOvr>
+</p:sld>
+</file>
+
+<file path=ppt/slides/slide21.xml><?xml version="1.0" encoding="utf-8"?>
+<p:sld xmlns:a="http://schemas.openxmlformats.org/drawingml/2006/main" xmlns:r="http://schemas.openxmlformats.org/officeDocument/2006/relationships" xmlns:p="http://schemas.openxmlformats.org/presentationml/2006/main">
+  <p:cSld>
+    <p:spTree>
+      <p:nvGrpSpPr>
+        <p:cNvPr id="1" name=""/>
+        <p:cNvGrpSpPr/>
+        <p:nvPr/>
+      </p:nvGrpSpPr>
+      <p:grpSpPr>
+        <a:xfrm>
+          <a:off x="0" y="0"/>
+          <a:ext cx="0" cy="0"/>
+          <a:chOff x="0" y="0"/>
+          <a:chExt cx="0" cy="0"/>
+        </a:xfrm>
+      </p:grpSpPr>
+      <p:sp>
+        <p:nvSpPr>
+          <p:cNvPr id="2" name="Título 1">
+            <a:extLst>
+              <a:ext uri="{FF2B5EF4-FFF2-40B4-BE49-F238E27FC236}">
+                <a16:creationId xmlns:a16="http://schemas.microsoft.com/office/drawing/2014/main" id="{20F07B82-1834-41A3-ABA1-E45AF435174A}"/>
+              </a:ext>
+            </a:extLst>
+          </p:cNvPr>
+          <p:cNvSpPr>
+            <a:spLocks noGrp="1"/>
+          </p:cNvSpPr>
+          <p:nvPr>
+            <p:ph type="title"/>
+          </p:nvPr>
+        </p:nvSpPr>
+        <p:spPr/>
+        <p:txBody>
+          <a:bodyPr/>
+          <a:lstStyle/>
+          <a:p>
+            <a:r>
+              <a:rPr lang="pt-BR" dirty="0"/>
+              <a:t>Casos reais – </a:t>
+            </a:r>
+            <a:r>
+              <a:rPr lang="pt-BR" dirty="0" err="1"/>
+              <a:t>Stuxnet</a:t>
+            </a:r>
+            <a:endParaRPr lang="pt-BR" dirty="0"/>
+          </a:p>
+        </p:txBody>
+      </p:sp>
+      <p:sp>
+        <p:nvSpPr>
+          <p:cNvPr id="3" name="Espaço Reservado para Conteúdo 2">
+            <a:extLst>
+              <a:ext uri="{FF2B5EF4-FFF2-40B4-BE49-F238E27FC236}">
+                <a16:creationId xmlns:a16="http://schemas.microsoft.com/office/drawing/2014/main" id="{C0E443DE-AB2D-4846-9E7B-2081F1E6BFBA}"/>
+              </a:ext>
+            </a:extLst>
+          </p:cNvPr>
+          <p:cNvSpPr>
+            <a:spLocks noGrp="1"/>
+          </p:cNvSpPr>
+          <p:nvPr>
+            <p:ph idx="1"/>
+          </p:nvPr>
+        </p:nvSpPr>
+        <p:spPr/>
+        <p:txBody>
+          <a:bodyPr/>
+          <a:lstStyle/>
+          <a:p>
+            <a:pPr marL="0" lvl="1" indent="0">
+              <a:buNone/>
+            </a:pPr>
+            <a:r>
+              <a:rPr lang="pt-BR" sz="1800" b="1" dirty="0"/>
+              <a:t>Número de Dispositivos Infectados e Prejuízo Total</a:t>
+            </a:r>
+          </a:p>
+          <a:p>
+            <a:pPr marL="973350" lvl="2" indent="-285750"/>
+            <a:r>
+              <a:rPr lang="pt-BR" sz="1600" b="1" dirty="0"/>
+              <a:t>Dispositivos infectados: </a:t>
+            </a:r>
+            <a:r>
+              <a:rPr lang="pt-BR" sz="1600" dirty="0"/>
+              <a:t>Dezenas de milhares de computadores.</a:t>
+            </a:r>
+          </a:p>
+          <a:p>
+            <a:pPr marL="973350" lvl="2" indent="-285750"/>
+            <a:r>
+              <a:rPr lang="pt-BR" sz="1600" b="1" dirty="0"/>
+              <a:t>Dano à infraestrutura: </a:t>
+            </a:r>
+            <a:r>
+              <a:rPr lang="pt-BR" sz="1600" dirty="0"/>
+              <a:t>Centenas de centrífugas nucleares foram desativadas ou destruídas.</a:t>
+            </a:r>
+          </a:p>
+          <a:p>
+            <a:pPr marL="973350" lvl="2" indent="-285750"/>
+            <a:r>
+              <a:rPr lang="pt-BR" sz="1600" b="1" dirty="0"/>
+              <a:t>Impacto: </a:t>
+            </a:r>
+            <a:r>
+              <a:rPr lang="pt-BR" sz="1600" dirty="0"/>
+              <a:t>O ataque causou um atraso significativo no programa nuclear iraniano e levou o Irã a reforçar sua segurança cibernética.</a:t>
+            </a:r>
+          </a:p>
+          <a:p>
+            <a:pPr marL="0" lvl="2" indent="0">
+              <a:spcBef>
+                <a:spcPts val="0"/>
+              </a:spcBef>
+              <a:buNone/>
+            </a:pPr>
+            <a:r>
+              <a:rPr lang="pt-BR" sz="1800" b="1" dirty="0"/>
+              <a:t>O que foi feito para parar esse ataque?</a:t>
+            </a:r>
+          </a:p>
+          <a:p>
+            <a:pPr marL="687600" lvl="2" indent="0">
+              <a:buNone/>
+            </a:pPr>
+            <a:r>
+              <a:rPr lang="pt-BR" sz="1600" dirty="0"/>
+              <a:t>Embora nenhum país tenha assumido oficialmente a autoria, investigações apontam que o </a:t>
+            </a:r>
+            <a:r>
+              <a:rPr lang="pt-BR" sz="1600" dirty="0" err="1"/>
+              <a:t>Stuxnet</a:t>
+            </a:r>
+            <a:r>
+              <a:rPr lang="pt-BR" sz="1600" dirty="0"/>
+              <a:t> foi desenvolvido por uma colaboração entre a </a:t>
+            </a:r>
+            <a:r>
+              <a:rPr lang="pt-BR" sz="1600" b="1" dirty="0"/>
+              <a:t>Agência de Segurança Nacional dos EUA (NSA) </a:t>
+            </a:r>
+            <a:r>
+              <a:rPr lang="pt-BR" sz="1600" dirty="0"/>
+              <a:t>e a </a:t>
+            </a:r>
+            <a:r>
+              <a:rPr lang="pt-BR" sz="1600" b="1" dirty="0"/>
+              <a:t>unidade de inteligência cibernética de Israel</a:t>
+            </a:r>
+            <a:r>
+              <a:rPr lang="pt-BR" sz="1600" dirty="0"/>
+              <a:t>.</a:t>
+            </a:r>
+          </a:p>
+          <a:p>
+            <a:pPr marL="0" lvl="2" indent="0">
+              <a:spcBef>
+                <a:spcPts val="0"/>
+              </a:spcBef>
+              <a:buNone/>
+            </a:pPr>
+            <a:r>
+              <a:rPr lang="pt-BR" sz="1800" b="1" dirty="0"/>
+              <a:t>Vídeo explicativo</a:t>
+            </a:r>
+          </a:p>
+          <a:p>
+            <a:pPr marL="687600" lvl="2" indent="0">
+              <a:spcBef>
+                <a:spcPts val="0"/>
+              </a:spcBef>
+              <a:buNone/>
+            </a:pPr>
+            <a:r>
+              <a:rPr lang="pt-BR" sz="1600" u="sng" dirty="0">
+                <a:hlinkClick r:id="rId2"/>
+              </a:rPr>
+              <a:t>https://www.youtube.com/watch?v=MqfAczP5YsM</a:t>
+            </a:r>
+            <a:endParaRPr lang="pt-BR" sz="1600" dirty="0"/>
+          </a:p>
+          <a:p>
+            <a:pPr marL="0" lvl="2" indent="0">
+              <a:spcBef>
+                <a:spcPts val="0"/>
+              </a:spcBef>
+              <a:buNone/>
+            </a:pPr>
+            <a:endParaRPr lang="pt-BR" sz="2000" b="1" dirty="0"/>
+          </a:p>
+        </p:txBody>
+      </p:sp>
+    </p:spTree>
+    <p:extLst>
+      <p:ext uri="{BB962C8B-B14F-4D97-AF65-F5344CB8AC3E}">
+        <p14:creationId xmlns:p14="http://schemas.microsoft.com/office/powerpoint/2010/main" val="3620736426"/>
+      </p:ext>
+    </p:extLst>
+  </p:cSld>
+  <p:clrMapOvr>
+    <a:masterClrMapping/>
+  </p:clrMapOvr>
+</p:sld>
+</file>
+
+<file path=ppt/slides/slide22.xml><?xml version="1.0" encoding="utf-8"?>
+<p:sld xmlns:a="http://schemas.openxmlformats.org/drawingml/2006/main" xmlns:r="http://schemas.openxmlformats.org/officeDocument/2006/relationships" xmlns:p="http://schemas.openxmlformats.org/presentationml/2006/main">
+  <p:cSld>
+    <p:spTree>
+      <p:nvGrpSpPr>
+        <p:cNvPr id="1" name=""/>
+        <p:cNvGrpSpPr/>
+        <p:nvPr/>
+      </p:nvGrpSpPr>
+      <p:grpSpPr>
+        <a:xfrm>
+          <a:off x="0" y="0"/>
+          <a:ext cx="0" cy="0"/>
+          <a:chOff x="0" y="0"/>
+          <a:chExt cx="0" cy="0"/>
+        </a:xfrm>
+      </p:grpSpPr>
+      <p:sp>
+        <p:nvSpPr>
+          <p:cNvPr id="2" name="Título 1">
+            <a:extLst>
+              <a:ext uri="{FF2B5EF4-FFF2-40B4-BE49-F238E27FC236}">
+                <a16:creationId xmlns:a16="http://schemas.microsoft.com/office/drawing/2014/main" id="{D9EE4DC9-6098-44A2-8648-267C3C14302D}"/>
+              </a:ext>
+            </a:extLst>
+          </p:cNvPr>
+          <p:cNvSpPr>
+            <a:spLocks noGrp="1"/>
+          </p:cNvSpPr>
+          <p:nvPr>
+            <p:ph type="title"/>
+          </p:nvPr>
+        </p:nvSpPr>
+        <p:spPr/>
+        <p:txBody>
+          <a:bodyPr/>
+          <a:lstStyle/>
+          <a:p>
+            <a:r>
+              <a:rPr lang="pt-BR" dirty="0"/>
+              <a:t>Casos reais - </a:t>
+            </a:r>
+            <a:r>
+              <a:rPr lang="pt-BR" dirty="0" err="1"/>
+              <a:t>WannaCry</a:t>
+            </a:r>
+            <a:endParaRPr lang="pt-BR" dirty="0"/>
+          </a:p>
+        </p:txBody>
+      </p:sp>
+      <p:sp>
+        <p:nvSpPr>
+          <p:cNvPr id="3" name="Espaço Reservado para Conteúdo 2">
+            <a:extLst>
+              <a:ext uri="{FF2B5EF4-FFF2-40B4-BE49-F238E27FC236}">
+                <a16:creationId xmlns:a16="http://schemas.microsoft.com/office/drawing/2014/main" id="{5F668E14-95D3-494C-A1F6-10A8AD664736}"/>
+              </a:ext>
+            </a:extLst>
+          </p:cNvPr>
+          <p:cNvSpPr>
+            <a:spLocks noGrp="1"/>
+          </p:cNvSpPr>
+          <p:nvPr>
+            <p:ph idx="1"/>
+          </p:nvPr>
+        </p:nvSpPr>
+        <p:spPr>
+          <a:xfrm>
+            <a:off x="569488" y="2644358"/>
+            <a:ext cx="5466708" cy="2945389"/>
+          </a:xfrm>
+        </p:spPr>
+        <p:txBody>
+          <a:bodyPr/>
+          <a:lstStyle/>
+          <a:p>
+            <a:pPr>
+              <a:spcBef>
+                <a:spcPts val="0"/>
+              </a:spcBef>
+            </a:pPr>
+            <a:r>
+              <a:rPr lang="pt-BR" sz="1600" dirty="0"/>
+              <a:t>O </a:t>
+            </a:r>
+            <a:r>
+              <a:rPr lang="pt-BR" sz="1600" dirty="0" err="1"/>
+              <a:t>WannaCry</a:t>
+            </a:r>
+            <a:r>
+              <a:rPr lang="pt-BR" sz="1600" dirty="0"/>
+              <a:t>, um ataque </a:t>
+            </a:r>
+            <a:r>
+              <a:rPr lang="pt-BR" sz="1600" dirty="0" err="1"/>
+              <a:t>ransomware</a:t>
+            </a:r>
+            <a:r>
+              <a:rPr lang="pt-BR" sz="1600" dirty="0"/>
+              <a:t> de 2017, explorou uma falha no Windows para se espalhar globalmente, criptografando arquivos e exigindo resgates em Bitcoin. O ataque afetou milhares de organizações em mais de 150 países, incluindo hospitais e órgãos governamentais. Utilizando a falha </a:t>
+            </a:r>
+            <a:r>
+              <a:rPr lang="pt-BR" sz="1600" dirty="0" err="1"/>
+              <a:t>EternalBlue</a:t>
+            </a:r>
+            <a:r>
+              <a:rPr lang="pt-BR" sz="1600" dirty="0"/>
+              <a:t>, vazada por hackers, o incidente destacou os riscos da falta de atualizações de segurança e a vulnerabilidade de infraestruturas críticas.</a:t>
+            </a:r>
+            <a:endParaRPr lang="pt-BR" dirty="0"/>
+          </a:p>
+        </p:txBody>
+      </p:sp>
+      <p:pic>
+        <p:nvPicPr>
+          <p:cNvPr id="4" name="Imagem 3">
+            <a:extLst>
+              <a:ext uri="{FF2B5EF4-FFF2-40B4-BE49-F238E27FC236}">
+                <a16:creationId xmlns:a16="http://schemas.microsoft.com/office/drawing/2014/main" id="{C70F8D96-0490-4CB0-92CE-C4ABAAC4BAEF}"/>
+              </a:ext>
+            </a:extLst>
+          </p:cNvPr>
+          <p:cNvPicPr>
+            <a:picLocks noChangeAspect="1"/>
+          </p:cNvPicPr>
+          <p:nvPr/>
+        </p:nvPicPr>
+        <p:blipFill>
+          <a:blip r:embed="rId2"/>
+          <a:stretch>
+            <a:fillRect/>
+          </a:stretch>
+        </p:blipFill>
+        <p:spPr>
+          <a:xfrm>
+            <a:off x="6605684" y="2230525"/>
+            <a:ext cx="5016827" cy="3773055"/>
+          </a:xfrm>
+          <a:prstGeom prst="rect">
+            <a:avLst/>
+          </a:prstGeom>
+        </p:spPr>
+      </p:pic>
+    </p:spTree>
+    <p:extLst>
+      <p:ext uri="{BB962C8B-B14F-4D97-AF65-F5344CB8AC3E}">
+        <p14:creationId xmlns:p14="http://schemas.microsoft.com/office/powerpoint/2010/main" val="2974977088"/>
+      </p:ext>
+    </p:extLst>
+  </p:cSld>
+  <p:clrMapOvr>
+    <a:masterClrMapping/>
+  </p:clrMapOvr>
+</p:sld>
+</file>
+
+<file path=ppt/slides/slide23.xml><?xml version="1.0" encoding="utf-8"?>
+<p:sld xmlns:a="http://schemas.openxmlformats.org/drawingml/2006/main" xmlns:r="http://schemas.openxmlformats.org/officeDocument/2006/relationships" xmlns:p="http://schemas.openxmlformats.org/presentationml/2006/main">
+  <p:cSld>
+    <p:spTree>
+      <p:nvGrpSpPr>
+        <p:cNvPr id="1" name=""/>
+        <p:cNvGrpSpPr/>
+        <p:nvPr/>
+      </p:nvGrpSpPr>
+      <p:grpSpPr>
+        <a:xfrm>
+          <a:off x="0" y="0"/>
+          <a:ext cx="0" cy="0"/>
+          <a:chOff x="0" y="0"/>
+          <a:chExt cx="0" cy="0"/>
+        </a:xfrm>
+      </p:grpSpPr>
+      <p:sp>
+        <p:nvSpPr>
+          <p:cNvPr id="2" name="Título 1">
+            <a:extLst>
+              <a:ext uri="{FF2B5EF4-FFF2-40B4-BE49-F238E27FC236}">
+                <a16:creationId xmlns:a16="http://schemas.microsoft.com/office/drawing/2014/main" id="{20F07B82-1834-41A3-ABA1-E45AF435174A}"/>
+              </a:ext>
+            </a:extLst>
+          </p:cNvPr>
+          <p:cNvSpPr>
+            <a:spLocks noGrp="1"/>
+          </p:cNvSpPr>
+          <p:nvPr>
+            <p:ph type="title"/>
+          </p:nvPr>
+        </p:nvSpPr>
+        <p:spPr/>
+        <p:txBody>
+          <a:bodyPr/>
+          <a:lstStyle/>
+          <a:p>
+            <a:r>
+              <a:rPr lang="pt-BR" dirty="0"/>
+              <a:t>Casos reais – </a:t>
+            </a:r>
+            <a:r>
+              <a:rPr lang="pt-BR" dirty="0" err="1"/>
+              <a:t>WannaCry</a:t>
+            </a:r>
+            <a:endParaRPr lang="pt-BR" dirty="0"/>
+          </a:p>
+        </p:txBody>
+      </p:sp>
+      <p:sp>
+        <p:nvSpPr>
+          <p:cNvPr id="3" name="Espaço Reservado para Conteúdo 2">
+            <a:extLst>
+              <a:ext uri="{FF2B5EF4-FFF2-40B4-BE49-F238E27FC236}">
+                <a16:creationId xmlns:a16="http://schemas.microsoft.com/office/drawing/2014/main" id="{C0E443DE-AB2D-4846-9E7B-2081F1E6BFBA}"/>
+              </a:ext>
+            </a:extLst>
+          </p:cNvPr>
+          <p:cNvSpPr>
+            <a:spLocks noGrp="1"/>
+          </p:cNvSpPr>
+          <p:nvPr>
+            <p:ph idx="1"/>
+          </p:nvPr>
+        </p:nvSpPr>
+        <p:spPr>
+          <a:xfrm>
+            <a:off x="592347" y="1844674"/>
+            <a:ext cx="11007306" cy="4630017"/>
+          </a:xfrm>
+        </p:spPr>
+        <p:txBody>
+          <a:bodyPr/>
+          <a:lstStyle/>
+          <a:p>
+            <a:r>
+              <a:rPr lang="pt-BR" sz="1800" b="1" dirty="0"/>
+              <a:t>Malwares utilizados</a:t>
+            </a:r>
+          </a:p>
+          <a:p>
+            <a:pPr marL="971550" lvl="1" indent="-285750"/>
+            <a:r>
+              <a:rPr lang="pt-BR" b="1" dirty="0" err="1"/>
+              <a:t>WannaCry</a:t>
+            </a:r>
+            <a:r>
+              <a:rPr lang="pt-BR" b="1" dirty="0"/>
+              <a:t>:</a:t>
+            </a:r>
+            <a:r>
+              <a:rPr lang="pt-BR" dirty="0"/>
+              <a:t> Um </a:t>
+            </a:r>
+            <a:r>
+              <a:rPr lang="pt-BR" dirty="0" err="1"/>
+              <a:t>ransomware</a:t>
+            </a:r>
+            <a:r>
+              <a:rPr lang="pt-BR" dirty="0"/>
+              <a:t> que criptografava arquivos do sistema infectado e exigia um resgate em Bitcoin para liberar os dados.</a:t>
+            </a:r>
+          </a:p>
+          <a:p>
+            <a:pPr marL="971550" lvl="1" indent="-285750"/>
+            <a:r>
+              <a:rPr lang="pt-BR" b="1" dirty="0" err="1"/>
+              <a:t>EternalBlue</a:t>
+            </a:r>
+            <a:r>
+              <a:rPr lang="pt-BR" dirty="0"/>
+              <a:t>: Uma exploração de vulnerabilidade no protocolo SMBv1 do Windows, originalmente desenvolvida pela NSA e vazada pelos Shadow Brokers.</a:t>
+            </a:r>
+          </a:p>
+          <a:p>
+            <a:pPr marL="0" lvl="1" indent="0">
+              <a:buNone/>
+            </a:pPr>
+            <a:r>
+              <a:rPr lang="pt-BR" sz="1800" b="1" dirty="0"/>
+              <a:t>Meio de propagação e funcionamento do ataque</a:t>
+            </a:r>
+          </a:p>
+          <a:p>
+            <a:pPr marL="971550" lvl="1" indent="-285750"/>
+            <a:r>
+              <a:rPr lang="pt-BR" dirty="0"/>
+              <a:t>O </a:t>
+            </a:r>
+            <a:r>
+              <a:rPr lang="pt-BR" dirty="0" err="1"/>
+              <a:t>WannaCry</a:t>
+            </a:r>
+            <a:r>
+              <a:rPr lang="pt-BR" dirty="0"/>
+              <a:t> era um </a:t>
+            </a:r>
+            <a:r>
+              <a:rPr lang="pt-BR" dirty="0" err="1"/>
+              <a:t>worm</a:t>
+            </a:r>
+            <a:r>
+              <a:rPr lang="pt-BR" dirty="0"/>
+              <a:t>, ou seja, ele se espalhava automaticamente entre computadores vulneráveis.</a:t>
+            </a:r>
+          </a:p>
+          <a:p>
+            <a:pPr marL="971550" lvl="1" indent="-285750"/>
+            <a:r>
+              <a:rPr lang="pt-BR" dirty="0"/>
+              <a:t>Ele explorava a falha </a:t>
+            </a:r>
+            <a:r>
+              <a:rPr lang="pt-BR" dirty="0" err="1"/>
+              <a:t>EternalBlue</a:t>
+            </a:r>
+            <a:r>
+              <a:rPr lang="pt-BR" dirty="0"/>
+              <a:t> no protocolo SMBv1 do Windows para se replicar dentro das redes corporativas e pela internet.</a:t>
+            </a:r>
+          </a:p>
+          <a:p>
+            <a:pPr marL="971550" lvl="1" indent="-285750"/>
+            <a:r>
+              <a:rPr lang="pt-BR" dirty="0"/>
+              <a:t>Quando um computador era infectado, o malware criptografava os arquivos e exibia uma mensagem exigindo um pagamento em Bitcoin para liberar os arquivos.</a:t>
+            </a:r>
+            <a:endParaRPr lang="pt-BR" sz="2000" dirty="0"/>
+          </a:p>
+        </p:txBody>
+      </p:sp>
+    </p:spTree>
+    <p:extLst>
+      <p:ext uri="{BB962C8B-B14F-4D97-AF65-F5344CB8AC3E}">
+        <p14:creationId xmlns:p14="http://schemas.microsoft.com/office/powerpoint/2010/main" val="3882341152"/>
+      </p:ext>
+    </p:extLst>
+  </p:cSld>
+  <p:clrMapOvr>
+    <a:masterClrMapping/>
+  </p:clrMapOvr>
+</p:sld>
+</file>
+
+<file path=ppt/slides/slide24.xml><?xml version="1.0" encoding="utf-8"?>
+<p:sld xmlns:a="http://schemas.openxmlformats.org/drawingml/2006/main" xmlns:r="http://schemas.openxmlformats.org/officeDocument/2006/relationships" xmlns:p="http://schemas.openxmlformats.org/presentationml/2006/main">
+  <p:cSld>
+    <p:spTree>
+      <p:nvGrpSpPr>
+        <p:cNvPr id="1" name=""/>
+        <p:cNvGrpSpPr/>
+        <p:nvPr/>
+      </p:nvGrpSpPr>
+      <p:grpSpPr>
+        <a:xfrm>
+          <a:off x="0" y="0"/>
+          <a:ext cx="0" cy="0"/>
+          <a:chOff x="0" y="0"/>
+          <a:chExt cx="0" cy="0"/>
+        </a:xfrm>
+      </p:grpSpPr>
+      <p:sp>
+        <p:nvSpPr>
+          <p:cNvPr id="2" name="Título 1">
+            <a:extLst>
+              <a:ext uri="{FF2B5EF4-FFF2-40B4-BE49-F238E27FC236}">
+                <a16:creationId xmlns:a16="http://schemas.microsoft.com/office/drawing/2014/main" id="{20F07B82-1834-41A3-ABA1-E45AF435174A}"/>
+              </a:ext>
+            </a:extLst>
+          </p:cNvPr>
+          <p:cNvSpPr>
+            <a:spLocks noGrp="1"/>
+          </p:cNvSpPr>
+          <p:nvPr>
+            <p:ph type="title"/>
+          </p:nvPr>
+        </p:nvSpPr>
+        <p:spPr/>
+        <p:txBody>
+          <a:bodyPr/>
+          <a:lstStyle/>
+          <a:p>
+            <a:r>
+              <a:rPr lang="pt-BR" dirty="0"/>
+              <a:t>Casos reais – </a:t>
+            </a:r>
+            <a:r>
+              <a:rPr lang="pt-BR" dirty="0" err="1"/>
+              <a:t>WannaCry</a:t>
+            </a:r>
+            <a:endParaRPr lang="pt-BR" dirty="0"/>
+          </a:p>
+        </p:txBody>
+      </p:sp>
+      <p:sp>
+        <p:nvSpPr>
+          <p:cNvPr id="3" name="Espaço Reservado para Conteúdo 2">
+            <a:extLst>
+              <a:ext uri="{FF2B5EF4-FFF2-40B4-BE49-F238E27FC236}">
+                <a16:creationId xmlns:a16="http://schemas.microsoft.com/office/drawing/2014/main" id="{C0E443DE-AB2D-4846-9E7B-2081F1E6BFBA}"/>
+              </a:ext>
+            </a:extLst>
+          </p:cNvPr>
+          <p:cNvSpPr>
+            <a:spLocks noGrp="1"/>
+          </p:cNvSpPr>
+          <p:nvPr>
+            <p:ph idx="1"/>
+          </p:nvPr>
+        </p:nvSpPr>
+        <p:spPr/>
+        <p:txBody>
+          <a:bodyPr/>
+          <a:lstStyle/>
+          <a:p>
+            <a:pPr marL="973350" indent="-285750">
+              <a:spcBef>
+                <a:spcPts val="0"/>
+              </a:spcBef>
+              <a:buFont typeface="Arial" panose="020B0604020202020204" pitchFamily="34" charset="0"/>
+              <a:buChar char="•"/>
+            </a:pPr>
+            <a:r>
+              <a:rPr lang="pt-BR" sz="1600" dirty="0"/>
+              <a:t>A Microsoft lançou um patch de segurança (MS17-010) para corrigir a vulnerabilidade </a:t>
+            </a:r>
+            <a:r>
+              <a:rPr lang="pt-BR" sz="1600" dirty="0" err="1"/>
+              <a:t>EternalBlue</a:t>
+            </a:r>
+            <a:r>
+              <a:rPr lang="pt-BR" sz="1600" dirty="0"/>
+              <a:t> em março de 2017, mas muitas máquinas permaneceram sem atualização, facilitando a propagação do malware.</a:t>
+            </a:r>
+            <a:endParaRPr lang="pt-BR" sz="1600" b="1" dirty="0"/>
+          </a:p>
+          <a:p>
+            <a:pPr>
+              <a:spcBef>
+                <a:spcPts val="0"/>
+              </a:spcBef>
+            </a:pPr>
+            <a:r>
+              <a:rPr lang="pt-BR" sz="1800" b="1" dirty="0"/>
+              <a:t>O que foi feito para parar esse ataque?</a:t>
+            </a:r>
+          </a:p>
+          <a:p>
+            <a:pPr marL="971550" lvl="1" indent="-285750"/>
+            <a:r>
+              <a:rPr lang="pt-BR" dirty="0"/>
+              <a:t>O ataque foi interrompido temporariamente quando o pesquisador Marcus </a:t>
+            </a:r>
+            <a:r>
+              <a:rPr lang="pt-BR" dirty="0" err="1"/>
+              <a:t>Hutchins</a:t>
+            </a:r>
+            <a:r>
+              <a:rPr lang="pt-BR" dirty="0"/>
+              <a:t> encontrou um "interruptor de eliminação" no código do malware.</a:t>
+            </a:r>
+          </a:p>
+          <a:p>
+            <a:pPr marL="971550" lvl="1" indent="-285750"/>
+            <a:r>
+              <a:rPr lang="pt-BR" dirty="0"/>
+              <a:t>O </a:t>
+            </a:r>
+            <a:r>
+              <a:rPr lang="pt-BR" dirty="0" err="1"/>
+              <a:t>WannaCry</a:t>
+            </a:r>
+            <a:r>
+              <a:rPr lang="pt-BR" dirty="0"/>
+              <a:t> fazia uma requisição para um domínio específico antes de se ativar. </a:t>
+            </a:r>
+            <a:r>
+              <a:rPr lang="pt-BR" dirty="0" err="1"/>
+              <a:t>Hutchins</a:t>
+            </a:r>
+            <a:r>
+              <a:rPr lang="pt-BR" dirty="0"/>
+              <a:t> registrou esse domínio, o que fez com que o </a:t>
+            </a:r>
+            <a:r>
+              <a:rPr lang="pt-BR" dirty="0" err="1"/>
+              <a:t>ransomware</a:t>
+            </a:r>
+            <a:r>
+              <a:rPr lang="pt-BR" dirty="0"/>
+              <a:t> parasse de funcionar em máquinas conectadas à internet.</a:t>
+            </a:r>
+          </a:p>
+          <a:p>
+            <a:pPr marL="971550" lvl="1" indent="-285750"/>
+            <a:r>
+              <a:rPr lang="pt-BR" dirty="0"/>
+              <a:t>A Microsoft lançou um patch de segurança (MS17-010) para corrigir a vulnerabilidade </a:t>
+            </a:r>
+            <a:r>
+              <a:rPr lang="pt-BR" dirty="0" err="1"/>
+              <a:t>EternalBlue</a:t>
+            </a:r>
+            <a:r>
+              <a:rPr lang="pt-BR" dirty="0"/>
+              <a:t> em março de 2017, mas muitas máquinas permaneceram sem atualização, facilitando a propagação do malware.</a:t>
+            </a:r>
+          </a:p>
+        </p:txBody>
+      </p:sp>
+    </p:spTree>
+    <p:extLst>
+      <p:ext uri="{BB962C8B-B14F-4D97-AF65-F5344CB8AC3E}">
+        <p14:creationId xmlns:p14="http://schemas.microsoft.com/office/powerpoint/2010/main" val="2798419091"/>
+      </p:ext>
+    </p:extLst>
+  </p:cSld>
+  <p:clrMapOvr>
+    <a:masterClrMapping/>
+  </p:clrMapOvr>
+</p:sld>
+</file>
+
+<file path=ppt/slides/slide25.xml><?xml version="1.0" encoding="utf-8"?>
+<p:sld xmlns:a="http://schemas.openxmlformats.org/drawingml/2006/main" xmlns:r="http://schemas.openxmlformats.org/officeDocument/2006/relationships" xmlns:p="http://schemas.openxmlformats.org/presentationml/2006/main">
+  <p:cSld>
+    <p:spTree>
+      <p:nvGrpSpPr>
+        <p:cNvPr id="1" name=""/>
+        <p:cNvGrpSpPr/>
+        <p:nvPr/>
+      </p:nvGrpSpPr>
+      <p:grpSpPr>
+        <a:xfrm>
+          <a:off x="0" y="0"/>
+          <a:ext cx="0" cy="0"/>
+          <a:chOff x="0" y="0"/>
+          <a:chExt cx="0" cy="0"/>
+        </a:xfrm>
+      </p:grpSpPr>
+      <p:sp>
+        <p:nvSpPr>
+          <p:cNvPr id="2" name="Título 1">
+            <a:extLst>
+              <a:ext uri="{FF2B5EF4-FFF2-40B4-BE49-F238E27FC236}">
+                <a16:creationId xmlns:a16="http://schemas.microsoft.com/office/drawing/2014/main" id="{20F07B82-1834-41A3-ABA1-E45AF435174A}"/>
+              </a:ext>
+            </a:extLst>
+          </p:cNvPr>
+          <p:cNvSpPr>
+            <a:spLocks noGrp="1"/>
+          </p:cNvSpPr>
+          <p:nvPr>
+            <p:ph type="title"/>
+          </p:nvPr>
+        </p:nvSpPr>
+        <p:spPr/>
+        <p:txBody>
+          <a:bodyPr/>
+          <a:lstStyle/>
+          <a:p>
+            <a:r>
+              <a:rPr lang="pt-BR" dirty="0"/>
+              <a:t>Casos reais – </a:t>
+            </a:r>
+            <a:r>
+              <a:rPr lang="pt-BR" dirty="0" err="1"/>
+              <a:t>WannaCry</a:t>
+            </a:r>
+            <a:endParaRPr lang="pt-BR" dirty="0"/>
+          </a:p>
+        </p:txBody>
+      </p:sp>
+      <p:sp>
+        <p:nvSpPr>
+          <p:cNvPr id="3" name="Espaço Reservado para Conteúdo 2">
+            <a:extLst>
+              <a:ext uri="{FF2B5EF4-FFF2-40B4-BE49-F238E27FC236}">
+                <a16:creationId xmlns:a16="http://schemas.microsoft.com/office/drawing/2014/main" id="{C0E443DE-AB2D-4846-9E7B-2081F1E6BFBA}"/>
+              </a:ext>
+            </a:extLst>
+          </p:cNvPr>
+          <p:cNvSpPr>
+            <a:spLocks noGrp="1"/>
+          </p:cNvSpPr>
+          <p:nvPr>
+            <p:ph idx="1"/>
+          </p:nvPr>
+        </p:nvSpPr>
+        <p:spPr/>
+        <p:txBody>
+          <a:bodyPr/>
+          <a:lstStyle/>
+          <a:p>
+            <a:pPr marL="0" lvl="1" indent="0">
+              <a:buNone/>
+            </a:pPr>
+            <a:r>
+              <a:rPr lang="pt-BR" sz="1800" b="1" dirty="0"/>
+              <a:t>Motivo do ataque?</a:t>
+            </a:r>
+          </a:p>
+          <a:p>
+            <a:pPr marL="971550" lvl="1" indent="-285750">
+              <a:spcBef>
+                <a:spcPts val="0"/>
+              </a:spcBef>
+            </a:pPr>
+            <a:r>
+              <a:rPr lang="pt-BR" dirty="0"/>
+              <a:t>O objetivo principal parecia ser extorsão financeira, uma vez que o </a:t>
+            </a:r>
+            <a:r>
+              <a:rPr lang="pt-BR" dirty="0" err="1"/>
+              <a:t>ransomware</a:t>
+            </a:r>
+            <a:r>
+              <a:rPr lang="pt-BR" dirty="0"/>
+              <a:t> exigia pagamentos em Bitcoin para </a:t>
+            </a:r>
+            <a:r>
+              <a:rPr lang="pt-BR" dirty="0" err="1"/>
+              <a:t>descriptografar</a:t>
+            </a:r>
+            <a:r>
+              <a:rPr lang="pt-BR" dirty="0"/>
+              <a:t> os arquivos.</a:t>
+            </a:r>
+          </a:p>
+          <a:p>
+            <a:pPr marL="971550" lvl="1" indent="-285750">
+              <a:spcBef>
+                <a:spcPts val="0"/>
+              </a:spcBef>
+            </a:pPr>
+            <a:r>
+              <a:rPr lang="pt-BR" dirty="0"/>
+              <a:t>Algumas investigações indicam que o ataque pode ter sido um teste de capacidade cibernética por parte da Coreia do Norte, possivelmente ligado ao Grupo </a:t>
+            </a:r>
+            <a:r>
+              <a:rPr lang="pt-BR" dirty="0" err="1"/>
+              <a:t>Lazarus</a:t>
+            </a:r>
+            <a:r>
+              <a:rPr lang="pt-BR" dirty="0"/>
+              <a:t>, um grupo de hackers supostamente associado ao governo norte-coreano.</a:t>
+            </a:r>
+          </a:p>
+          <a:p>
+            <a:pPr marL="971550" lvl="1" indent="-285750">
+              <a:spcBef>
+                <a:spcPts val="0"/>
+              </a:spcBef>
+            </a:pPr>
+            <a:r>
+              <a:rPr lang="pt-BR" dirty="0"/>
+              <a:t>Alguns especialistas sugeriram que o </a:t>
+            </a:r>
+            <a:r>
+              <a:rPr lang="pt-BR" dirty="0" err="1"/>
+              <a:t>WannaCry</a:t>
+            </a:r>
+            <a:r>
+              <a:rPr lang="pt-BR" dirty="0"/>
+              <a:t> pode ter sido uma ação acidental, pois ele continha um código inacabado e falhas que reduziram seu impacto.</a:t>
+            </a:r>
+          </a:p>
+          <a:p>
+            <a:pPr>
+              <a:spcBef>
+                <a:spcPts val="0"/>
+              </a:spcBef>
+            </a:pPr>
+            <a:endParaRPr lang="pt-BR" dirty="0"/>
+          </a:p>
+        </p:txBody>
+      </p:sp>
+    </p:spTree>
+    <p:extLst>
+      <p:ext uri="{BB962C8B-B14F-4D97-AF65-F5344CB8AC3E}">
+        <p14:creationId xmlns:p14="http://schemas.microsoft.com/office/powerpoint/2010/main" val="1207178614"/>
+      </p:ext>
+    </p:extLst>
+  </p:cSld>
+  <p:clrMapOvr>
+    <a:masterClrMapping/>
+  </p:clrMapOvr>
+</p:sld>
+</file>
+
+<file path=ppt/slides/slide26.xml><?xml version="1.0" encoding="utf-8"?>
+<p:sld xmlns:a="http://schemas.openxmlformats.org/drawingml/2006/main" xmlns:r="http://schemas.openxmlformats.org/officeDocument/2006/relationships" xmlns:p="http://schemas.openxmlformats.org/presentationml/2006/main">
+  <p:cSld>
+    <p:spTree>
+      <p:nvGrpSpPr>
+        <p:cNvPr id="1" name=""/>
+        <p:cNvGrpSpPr/>
+        <p:nvPr/>
+      </p:nvGrpSpPr>
+      <p:grpSpPr>
+        <a:xfrm>
+          <a:off x="0" y="0"/>
+          <a:ext cx="0" cy="0"/>
+          <a:chOff x="0" y="0"/>
+          <a:chExt cx="0" cy="0"/>
+        </a:xfrm>
+      </p:grpSpPr>
+      <p:sp>
+        <p:nvSpPr>
+          <p:cNvPr id="2" name="Título 1">
+            <a:extLst>
+              <a:ext uri="{FF2B5EF4-FFF2-40B4-BE49-F238E27FC236}">
+                <a16:creationId xmlns:a16="http://schemas.microsoft.com/office/drawing/2014/main" id="{20F07B82-1834-41A3-ABA1-E45AF435174A}"/>
+              </a:ext>
+            </a:extLst>
+          </p:cNvPr>
+          <p:cNvSpPr>
+            <a:spLocks noGrp="1"/>
+          </p:cNvSpPr>
+          <p:nvPr>
+            <p:ph type="title"/>
+          </p:nvPr>
+        </p:nvSpPr>
+        <p:spPr/>
+        <p:txBody>
+          <a:bodyPr/>
+          <a:lstStyle/>
+          <a:p>
+            <a:r>
+              <a:rPr lang="pt-BR" dirty="0"/>
+              <a:t>Casos reais – </a:t>
+            </a:r>
+            <a:r>
+              <a:rPr lang="pt-BR" dirty="0" err="1"/>
+              <a:t>WannaCry</a:t>
+            </a:r>
+            <a:endParaRPr lang="pt-BR" dirty="0"/>
+          </a:p>
+        </p:txBody>
+      </p:sp>
+      <p:sp>
+        <p:nvSpPr>
+          <p:cNvPr id="3" name="Espaço Reservado para Conteúdo 2">
+            <a:extLst>
+              <a:ext uri="{FF2B5EF4-FFF2-40B4-BE49-F238E27FC236}">
+                <a16:creationId xmlns:a16="http://schemas.microsoft.com/office/drawing/2014/main" id="{C0E443DE-AB2D-4846-9E7B-2081F1E6BFBA}"/>
+              </a:ext>
+            </a:extLst>
+          </p:cNvPr>
+          <p:cNvSpPr>
+            <a:spLocks noGrp="1"/>
+          </p:cNvSpPr>
+          <p:nvPr>
+            <p:ph idx="1"/>
+          </p:nvPr>
+        </p:nvSpPr>
+        <p:spPr>
+          <a:xfrm>
+            <a:off x="592347" y="1844675"/>
+            <a:ext cx="11007306" cy="4426816"/>
+          </a:xfrm>
+        </p:spPr>
+        <p:txBody>
+          <a:bodyPr/>
+          <a:lstStyle/>
+          <a:p>
+            <a:pPr marL="0" lvl="1" indent="0">
+              <a:buNone/>
+            </a:pPr>
+            <a:r>
+              <a:rPr lang="pt-BR" sz="1800" b="1" dirty="0"/>
+              <a:t>Número de dispositivos infectados e prejuízo total</a:t>
+            </a:r>
+          </a:p>
+          <a:p>
+            <a:pPr marL="687600" lvl="2" indent="-285750"/>
+            <a:r>
+              <a:rPr lang="pt-BR" dirty="0"/>
+              <a:t>O </a:t>
+            </a:r>
+            <a:r>
+              <a:rPr lang="pt-BR" dirty="0" err="1"/>
+              <a:t>WannaCry</a:t>
+            </a:r>
+            <a:r>
+              <a:rPr lang="pt-BR" dirty="0"/>
+              <a:t> infectou aproximadamente 200 mil computadores em mais de 150 países.</a:t>
+            </a:r>
+          </a:p>
+          <a:p>
+            <a:pPr marL="687600" lvl="2" indent="-285750"/>
+            <a:r>
+              <a:rPr lang="pt-BR" dirty="0"/>
+              <a:t>Grandes empresas e instituições foram afetadas, incluindo FedEx, Honda, Nissan e o NHS (Sistema de Saúde do Reino Unido).</a:t>
+            </a:r>
+          </a:p>
+          <a:p>
+            <a:pPr marL="687600" lvl="2" indent="-285750"/>
+            <a:r>
+              <a:rPr lang="pt-BR" dirty="0"/>
+              <a:t>O prejuízo estimado foi de cerca de US$ 4 bilhões globalmente, considerando custos de recuperação, resgates pagos e interrupção de serviços.</a:t>
+            </a:r>
+          </a:p>
+          <a:p>
+            <a:pPr>
+              <a:spcBef>
+                <a:spcPts val="0"/>
+              </a:spcBef>
+            </a:pPr>
+            <a:r>
+              <a:rPr lang="pt-BR" sz="1800" b="1" dirty="0"/>
+              <a:t>Quem fez o ataque</a:t>
+            </a:r>
+          </a:p>
+          <a:p>
+            <a:pPr lvl="1"/>
+            <a:r>
+              <a:rPr lang="pt-BR" dirty="0"/>
+              <a:t>Os </a:t>
+            </a:r>
+            <a:r>
+              <a:rPr lang="pt-BR" b="1" dirty="0"/>
+              <a:t>EUA e o Reino Unido</a:t>
+            </a:r>
+            <a:r>
+              <a:rPr lang="pt-BR" dirty="0"/>
+              <a:t> atribuíram o ataque ao governo da </a:t>
+            </a:r>
+            <a:r>
+              <a:rPr lang="pt-BR" b="1" dirty="0"/>
+              <a:t>Coreia do Norte</a:t>
+            </a:r>
+            <a:r>
+              <a:rPr lang="pt-BR" dirty="0"/>
+              <a:t>.</a:t>
+            </a:r>
+          </a:p>
+          <a:p>
+            <a:pPr lvl="1"/>
+            <a:r>
+              <a:rPr lang="pt-BR" dirty="0"/>
+              <a:t>Alguns pesquisadores indicam que o ataque foi conduzido pelo </a:t>
+            </a:r>
+            <a:r>
+              <a:rPr lang="pt-BR" b="1" dirty="0"/>
+              <a:t>Grupo </a:t>
+            </a:r>
+            <a:r>
+              <a:rPr lang="pt-BR" b="1" dirty="0" err="1"/>
+              <a:t>Lazarus</a:t>
+            </a:r>
+            <a:r>
+              <a:rPr lang="pt-BR" dirty="0"/>
+              <a:t>, um grupo de hackers ligado à Coreia do Norte.</a:t>
+            </a:r>
+          </a:p>
+          <a:p>
+            <a:pPr lvl="1"/>
+            <a:r>
+              <a:rPr lang="pt-BR" dirty="0"/>
+              <a:t>No entanto, há especulações de que </a:t>
+            </a:r>
+            <a:r>
+              <a:rPr lang="pt-BR" b="1" dirty="0"/>
+              <a:t>outras nações ou grupos podem ter forjado evidências</a:t>
+            </a:r>
+            <a:r>
+              <a:rPr lang="pt-BR" dirty="0"/>
+              <a:t> para incriminar a Coreia do Norte.</a:t>
+            </a:r>
+          </a:p>
+          <a:p>
+            <a:pPr marL="401850" lvl="2" indent="0">
+              <a:buNone/>
+            </a:pPr>
+            <a:endParaRPr lang="pt-BR" dirty="0"/>
+          </a:p>
+        </p:txBody>
+      </p:sp>
+    </p:spTree>
+    <p:extLst>
+      <p:ext uri="{BB962C8B-B14F-4D97-AF65-F5344CB8AC3E}">
+        <p14:creationId xmlns:p14="http://schemas.microsoft.com/office/powerpoint/2010/main" val="437556075"/>
+      </p:ext>
+    </p:extLst>
+  </p:cSld>
+  <p:clrMapOvr>
+    <a:masterClrMapping/>
+  </p:clrMapOvr>
+</p:sld>
+</file>
+
+<file path=ppt/slides/slide27.xml><?xml version="1.0" encoding="utf-8"?>
+<p:sld xmlns:a="http://schemas.openxmlformats.org/drawingml/2006/main" xmlns:r="http://schemas.openxmlformats.org/officeDocument/2006/relationships" xmlns:p="http://schemas.openxmlformats.org/presentationml/2006/main">
+  <p:cSld>
+    <p:spTree>
+      <p:nvGrpSpPr>
+        <p:cNvPr id="1" name=""/>
+        <p:cNvGrpSpPr/>
+        <p:nvPr/>
+      </p:nvGrpSpPr>
+      <p:grpSpPr>
+        <a:xfrm>
+          <a:off x="0" y="0"/>
+          <a:ext cx="0" cy="0"/>
+          <a:chOff x="0" y="0"/>
+          <a:chExt cx="0" cy="0"/>
+        </a:xfrm>
+      </p:grpSpPr>
+      <p:sp>
+        <p:nvSpPr>
+          <p:cNvPr id="2" name="Título 1">
+            <a:extLst>
+              <a:ext uri="{FF2B5EF4-FFF2-40B4-BE49-F238E27FC236}">
+                <a16:creationId xmlns:a16="http://schemas.microsoft.com/office/drawing/2014/main" id="{15A5FC04-F1A1-47D8-B15B-11BD71C5AF83}"/>
+              </a:ext>
+            </a:extLst>
+          </p:cNvPr>
+          <p:cNvSpPr>
+            <a:spLocks noGrp="1"/>
+          </p:cNvSpPr>
+          <p:nvPr>
+            <p:ph type="title"/>
+          </p:nvPr>
+        </p:nvSpPr>
+        <p:spPr/>
+        <p:txBody>
+          <a:bodyPr/>
+          <a:lstStyle/>
+          <a:p>
+            <a:r>
+              <a:rPr lang="pt-BR" dirty="0"/>
+              <a:t>Casos reais – </a:t>
+            </a:r>
+            <a:r>
+              <a:rPr lang="pt-BR" dirty="0" err="1"/>
+              <a:t>WannaCry</a:t>
+            </a:r>
+            <a:endParaRPr lang="pt-BR" dirty="0"/>
+          </a:p>
+        </p:txBody>
+      </p:sp>
+      <p:sp>
+        <p:nvSpPr>
+          <p:cNvPr id="3" name="Espaço Reservado para Conteúdo 2">
+            <a:extLst>
+              <a:ext uri="{FF2B5EF4-FFF2-40B4-BE49-F238E27FC236}">
+                <a16:creationId xmlns:a16="http://schemas.microsoft.com/office/drawing/2014/main" id="{DED3255B-4B85-4486-8718-DF0954F0C537}"/>
+              </a:ext>
+            </a:extLst>
+          </p:cNvPr>
+          <p:cNvSpPr>
+            <a:spLocks noGrp="1"/>
+          </p:cNvSpPr>
+          <p:nvPr>
+            <p:ph idx="1"/>
+          </p:nvPr>
+        </p:nvSpPr>
+        <p:spPr/>
+        <p:txBody>
+          <a:bodyPr/>
+          <a:lstStyle/>
+          <a:p>
+            <a:pPr fontAlgn="base"/>
+            <a:r>
+              <a:rPr lang="pt-BR" b="1" dirty="0"/>
+              <a:t>Vídeo explicativo</a:t>
+            </a:r>
+          </a:p>
+          <a:p>
+            <a:pPr marL="687600" lvl="1" indent="-285750" fontAlgn="base"/>
+            <a:r>
+              <a:rPr lang="pt-BR" dirty="0">
+                <a:hlinkClick r:id="rId2"/>
+              </a:rPr>
+              <a:t>https://www.youtube.com/watch?v=12EaUb6o2mM</a:t>
+            </a:r>
+            <a:endParaRPr lang="pt-BR" dirty="0"/>
+          </a:p>
+          <a:p>
+            <a:pPr marL="687600" lvl="1" indent="-285750" fontAlgn="base"/>
+            <a:r>
+              <a:rPr lang="pt-BR" dirty="0">
+                <a:hlinkClick r:id="rId3"/>
+              </a:rPr>
+              <a:t>https://www.youtube.com/watch?v=etPizFNPupk&amp;t=13s</a:t>
+            </a:r>
+            <a:endParaRPr lang="pt-BR" dirty="0"/>
+          </a:p>
+          <a:p>
+            <a:endParaRPr lang="pt-BR" dirty="0"/>
+          </a:p>
+        </p:txBody>
+      </p:sp>
+    </p:spTree>
+    <p:extLst>
+      <p:ext uri="{BB962C8B-B14F-4D97-AF65-F5344CB8AC3E}">
+        <p14:creationId xmlns:p14="http://schemas.microsoft.com/office/powerpoint/2010/main" val="26790357"/>
       </p:ext>
     </p:extLst>
   </p:cSld>
